--- a/slides/spring_regression.pptx
+++ b/slides/spring_regression.pptx
@@ -213,7 +213,7 @@
           <a:p>
             <a:fld id="{85FA7D80-FAED-344A-A0C4-53EBD0D04AAF}" type="datetimeFigureOut">
               <a:rPr kumimoji="1" lang="ja-JP" altLang="en-US" smtClean="0"/>
-              <a:t>2025/6/22</a:t>
+              <a:t>2025/6/23</a:t>
             </a:fld>
             <a:endParaRPr kumimoji="1" lang="ja-JP" altLang="en-US"/>
           </a:p>
@@ -743,7 +743,7 @@
           <a:p>
             <a:fld id="{5BCAD085-E8A6-8845-BD4E-CB4CCA059FC4}" type="datetimeFigureOut">
               <a:rPr lang="en-US" smtClean="0"/>
-              <a:t>6/22/25</a:t>
+              <a:t>6/23/25</a:t>
             </a:fld>
             <a:endParaRPr lang="en-US" dirty="0"/>
           </a:p>
@@ -973,7 +973,7 @@
           <a:p>
             <a:fld id="{5BCAD085-E8A6-8845-BD4E-CB4CCA059FC4}" type="datetimeFigureOut">
               <a:rPr lang="en-US" smtClean="0"/>
-              <a:t>6/22/25</a:t>
+              <a:t>6/23/25</a:t>
             </a:fld>
             <a:endParaRPr lang="en-US" dirty="0"/>
           </a:p>
@@ -1213,7 +1213,7 @@
           <a:p>
             <a:fld id="{5BCAD085-E8A6-8845-BD4E-CB4CCA059FC4}" type="datetimeFigureOut">
               <a:rPr lang="en-US" smtClean="0"/>
-              <a:t>6/22/25</a:t>
+              <a:t>6/23/25</a:t>
             </a:fld>
             <a:endParaRPr lang="en-US" dirty="0"/>
           </a:p>
@@ -1443,7 +1443,7 @@
           <a:p>
             <a:fld id="{5BCAD085-E8A6-8845-BD4E-CB4CCA059FC4}" type="datetimeFigureOut">
               <a:rPr lang="en-US" smtClean="0"/>
-              <a:t>6/22/25</a:t>
+              <a:t>6/23/25</a:t>
             </a:fld>
             <a:endParaRPr lang="en-US" dirty="0"/>
           </a:p>
@@ -1718,7 +1718,7 @@
           <a:p>
             <a:fld id="{5BCAD085-E8A6-8845-BD4E-CB4CCA059FC4}" type="datetimeFigureOut">
               <a:rPr lang="en-US" smtClean="0"/>
-              <a:t>6/22/25</a:t>
+              <a:t>6/23/25</a:t>
             </a:fld>
             <a:endParaRPr lang="en-US" dirty="0"/>
           </a:p>
@@ -2047,7 +2047,7 @@
           <a:p>
             <a:fld id="{5BCAD085-E8A6-8845-BD4E-CB4CCA059FC4}" type="datetimeFigureOut">
               <a:rPr lang="en-US" smtClean="0"/>
-              <a:t>6/22/25</a:t>
+              <a:t>6/23/25</a:t>
             </a:fld>
             <a:endParaRPr lang="en-US" dirty="0"/>
           </a:p>
@@ -2528,7 +2528,7 @@
           <a:p>
             <a:fld id="{5BCAD085-E8A6-8845-BD4E-CB4CCA059FC4}" type="datetimeFigureOut">
               <a:rPr lang="en-US" smtClean="0"/>
-              <a:t>6/22/25</a:t>
+              <a:t>6/23/25</a:t>
             </a:fld>
             <a:endParaRPr lang="en-US" dirty="0"/>
           </a:p>
@@ -2674,7 +2674,7 @@
           <a:p>
             <a:fld id="{5BCAD085-E8A6-8845-BD4E-CB4CCA059FC4}" type="datetimeFigureOut">
               <a:rPr lang="en-US" smtClean="0"/>
-              <a:t>6/22/25</a:t>
+              <a:t>6/23/25</a:t>
             </a:fld>
             <a:endParaRPr lang="en-US" dirty="0"/>
           </a:p>
@@ -2787,7 +2787,7 @@
           <a:p>
             <a:fld id="{5BCAD085-E8A6-8845-BD4E-CB4CCA059FC4}" type="datetimeFigureOut">
               <a:rPr lang="en-US" smtClean="0"/>
-              <a:t>6/22/25</a:t>
+              <a:t>6/23/25</a:t>
             </a:fld>
             <a:endParaRPr lang="en-US" dirty="0"/>
           </a:p>
@@ -3130,7 +3130,7 @@
           <a:p>
             <a:fld id="{5BCAD085-E8A6-8845-BD4E-CB4CCA059FC4}" type="datetimeFigureOut">
               <a:rPr lang="en-US" smtClean="0"/>
-              <a:t>6/22/25</a:t>
+              <a:t>6/23/25</a:t>
             </a:fld>
             <a:endParaRPr lang="en-US" dirty="0"/>
           </a:p>
@@ -3423,7 +3423,7 @@
           <a:p>
             <a:fld id="{5BCAD085-E8A6-8845-BD4E-CB4CCA059FC4}" type="datetimeFigureOut">
               <a:rPr lang="en-US" smtClean="0"/>
-              <a:t>6/22/25</a:t>
+              <a:t>6/23/25</a:t>
             </a:fld>
             <a:endParaRPr lang="en-US" dirty="0"/>
           </a:p>
@@ -3696,7 +3696,7 @@
           <a:p>
             <a:fld id="{5BCAD085-E8A6-8845-BD4E-CB4CCA059FC4}" type="datetimeFigureOut">
               <a:rPr lang="en-US" smtClean="0"/>
-              <a:t>6/22/25</a:t>
+              <a:t>6/23/25</a:t>
             </a:fld>
             <a:endParaRPr lang="en-US" dirty="0"/>
           </a:p>
@@ -4413,133 +4413,10 @@
       </p:grpSpPr>
       <p:sp>
         <p:nvSpPr>
-          <p:cNvPr id="2" name="TextBox 1"/>
-          <p:cNvSpPr txBox="1">
-            <a:spLocks noGrp="1"/>
-          </p:cNvSpPr>
-          <p:nvPr>
-            <p:ph type="title" idx="4294967295"/>
-          </p:nvPr>
-        </p:nvSpPr>
-        <p:spPr>
-          <a:xfrm>
-            <a:off x="1456886" y="2508366"/>
-            <a:ext cx="6230228" cy="461665"/>
-          </a:xfrm>
-          <a:prstGeom prst="rect">
-            <a:avLst/>
-          </a:prstGeom>
-          <a:noFill/>
-          <a:ln>
-            <a:noFill/>
-            <a:prstDash/>
-          </a:ln>
-          <a:effectLst/>
-        </p:spPr>
-        <p:txBody>
-          <a:bodyPr rot="0" spcFirstLastPara="0" vertOverflow="overflow" horzOverflow="overflow" vert="horz" wrap="square" lIns="91440" tIns="45720" rIns="91440" bIns="45720" numCol="1" spcCol="0" rtlCol="0" fromWordArt="0" anchor="ctr" anchorCtr="0" forceAA="0" compatLnSpc="1">
-            <a:prstTxWarp prst="textNoShape">
-              <a:avLst/>
-            </a:prstTxWarp>
-            <a:spAutoFit/>
-          </a:bodyPr>
-          <a:lstStyle/>
-          <a:p>
-            <a:pPr marL="0" marR="0" lvl="0" indent="0" algn="l" defTabSz="914400" rtl="0" eaLnBrk="1" fontAlgn="auto" latinLnBrk="0" hangingPunct="1">
-              <a:lnSpc>
-                <a:spcPct val="100000"/>
-              </a:lnSpc>
-              <a:spcBef>
-                <a:spcPts val="0"/>
-              </a:spcBef>
-              <a:spcAft>
-                <a:spcPts val="0"/>
-              </a:spcAft>
-              <a:buClrTx/>
-              <a:buSzTx/>
-              <a:buFontTx/>
-              <a:buNone/>
-              <a:tabLst/>
-              <a:defRPr sz="2400" b="1"/>
-            </a:pPr>
-            <a:r>
-              <a:rPr kumimoji="1" lang="ja-JP" altLang="en-US" sz="2400" b="1" i="0" u="none" strike="noStrike" kern="1200" cap="none" spc="0" normalizeH="0" baseline="0" noProof="0">
-                <a:ln>
-                  <a:noFill/>
-                </a:ln>
-                <a:solidFill>
-                  <a:schemeClr val="tx1"/>
-                </a:solidFill>
-                <a:effectLst/>
-                <a:uLnTx/>
-                <a:uFillTx/>
-                <a:latin typeface="Hiragino Sans W3" panose="020B0400000000000000" pitchFamily="34" charset="-128"/>
-                <a:ea typeface="Hiragino Sans W3" panose="020B0400000000000000" pitchFamily="34" charset="-128"/>
-                <a:cs typeface="+mn-cs"/>
-              </a:rPr>
-              <a:t>バネの長さと重さの関係を線形回帰で分析</a:t>
-            </a:r>
-            <a:endParaRPr kumimoji="1" lang="en-US" altLang="ja-JP" sz="2400" b="1" i="0" u="none" strike="noStrike" kern="1200" cap="none" spc="0" normalizeH="0" baseline="0" noProof="0" dirty="0">
-              <a:ln>
-                <a:noFill/>
-              </a:ln>
-              <a:solidFill>
-                <a:schemeClr val="tx1"/>
-              </a:solidFill>
-              <a:effectLst/>
-              <a:uLnTx/>
-              <a:uFillTx/>
-              <a:latin typeface="Hiragino Sans W3" panose="020B0400000000000000" pitchFamily="34" charset="-128"/>
-              <a:ea typeface="Hiragino Sans W3" panose="020B0400000000000000" pitchFamily="34" charset="-128"/>
-              <a:cs typeface="+mn-cs"/>
-            </a:endParaRPr>
-          </a:p>
-        </p:txBody>
-      </p:sp>
-      <p:sp>
-        <p:nvSpPr>
-          <p:cNvPr id="3" name="TextBox 2"/>
-          <p:cNvSpPr txBox="1"/>
-          <p:nvPr/>
-        </p:nvSpPr>
-        <p:spPr>
-          <a:xfrm>
-            <a:off x="2459421" y="2950625"/>
-            <a:ext cx="4225158" cy="338554"/>
-          </a:xfrm>
-          <a:prstGeom prst="rect">
-            <a:avLst/>
-          </a:prstGeom>
-          <a:noFill/>
-        </p:spPr>
-        <p:txBody>
-          <a:bodyPr wrap="square">
-            <a:spAutoFit/>
-          </a:bodyPr>
-          <a:lstStyle/>
-          <a:p>
-            <a:pPr algn="ctr">
-              <a:defRPr sz="1600"/>
-            </a:pPr>
-            <a:r>
-              <a:rPr dirty="0">
-                <a:latin typeface="Hiragino Sans W0" panose="020B0400000000000000" pitchFamily="34" charset="-128"/>
-                <a:ea typeface="Hiragino Sans W0" panose="020B0400000000000000" pitchFamily="34" charset="-128"/>
-              </a:rPr>
-              <a:t>回帰式と決定係数R²から予測精度を探る</a:t>
-            </a:r>
-          </a:p>
-        </p:txBody>
-      </p:sp>
-      <p:sp>
-        <p:nvSpPr>
-          <p:cNvPr id="21" name="斜め縞 20">
-            <a:extLst>
-              <a:ext uri="{FF2B5EF4-FFF2-40B4-BE49-F238E27FC236}">
-                <a16:creationId xmlns:a16="http://schemas.microsoft.com/office/drawing/2014/main" id="{5AB8C97B-E7D5-C7AA-ADCC-1990EA16B1A8}"/>
-              </a:ext>
-              <a:ext uri="{C183D7F6-B498-43B3-948B-1728B52AA6E4}">
-                <adec:decorative xmlns:adec="http://schemas.microsoft.com/office/drawing/2017/decorative" val="1"/>
+          <p:cNvPr id="4" name="直角三角形 3">
+            <a:extLst>
+              <a:ext uri="{FF2B5EF4-FFF2-40B4-BE49-F238E27FC236}">
+                <a16:creationId xmlns:a16="http://schemas.microsoft.com/office/drawing/2014/main" id="{BFC8313F-4AC8-AEBD-3665-F0478F9C7C2C}"/>
               </a:ext>
             </a:extLst>
           </p:cNvPr>
@@ -4547,16 +4424,16 @@
           <p:nvPr/>
         </p:nvSpPr>
         <p:spPr>
-          <a:xfrm>
-            <a:off x="3610303" y="166124"/>
-            <a:ext cx="11067393" cy="13745260"/>
+          <a:xfrm flipH="1">
+            <a:off x="3531139" y="1011676"/>
+            <a:ext cx="5631971" cy="5876579"/>
           </a:xfrm>
-          <a:prstGeom prst="diagStripe">
+          <a:prstGeom prst="rtTriangle">
             <a:avLst/>
           </a:prstGeom>
           <a:solidFill>
             <a:schemeClr val="accent1">
-              <a:alpha val="14000"/>
+              <a:alpha val="34000"/>
             </a:schemeClr>
           </a:solidFill>
           <a:ln>
@@ -4584,11 +4461,127 @@
           <a:lstStyle/>
           <a:p>
             <a:pPr algn="ctr"/>
-            <a:endParaRPr kumimoji="1" lang="ja-JP" altLang="en-US">
+            <a:endParaRPr kumimoji="1" lang="ja-JP" altLang="en-US"/>
+          </a:p>
+        </p:txBody>
+      </p:sp>
+      <p:sp>
+        <p:nvSpPr>
+          <p:cNvPr id="2" name="TextBox 1"/>
+          <p:cNvSpPr txBox="1">
+            <a:spLocks noGrp="1"/>
+          </p:cNvSpPr>
+          <p:nvPr>
+            <p:ph type="title" idx="4294967295"/>
+          </p:nvPr>
+        </p:nvSpPr>
+        <p:spPr>
+          <a:xfrm>
+            <a:off x="1456886" y="2508366"/>
+            <a:ext cx="6230228" cy="461665"/>
+          </a:xfrm>
+          <a:prstGeom prst="rect">
+            <a:avLst/>
+          </a:prstGeom>
+          <a:noFill/>
+          <a:ln>
+            <a:noFill/>
+            <a:prstDash/>
+          </a:ln>
+          <a:effectLst/>
+        </p:spPr>
+        <p:txBody>
+          <a:bodyPr rot="0" spcFirstLastPara="0" vertOverflow="overflow" horzOverflow="overflow" vert="horz" wrap="square" lIns="91440" tIns="45720" rIns="91440" bIns="45720" numCol="1" spcCol="0" rtlCol="0" fromWordArt="0" anchor="ctr" anchorCtr="0" forceAA="0" compatLnSpc="1">
+            <a:prstTxWarp prst="textNoShape">
+              <a:avLst/>
+            </a:prstTxWarp>
+            <a:spAutoFit/>
+          </a:bodyPr>
+          <a:lstStyle/>
+          <a:p>
+            <a:pPr marL="0" marR="0" lvl="0" indent="0" algn="l" defTabSz="914400" rtl="0" eaLnBrk="1" fontAlgn="auto" latinLnBrk="0" hangingPunct="1">
+              <a:lnSpc>
+                <a:spcPct val="100000"/>
+              </a:lnSpc>
+              <a:spcBef>
+                <a:spcPts val="0"/>
+              </a:spcBef>
+              <a:spcAft>
+                <a:spcPts val="0"/>
+              </a:spcAft>
+              <a:buClrTx/>
+              <a:buSzTx/>
+              <a:buFontTx/>
+              <a:buNone/>
+              <a:tabLst/>
+              <a:defRPr sz="2400" b="1"/>
+            </a:pPr>
+            <a:r>
+              <a:rPr kumimoji="1" lang="ja-JP" altLang="en-US" sz="2400" b="1" i="0" u="none" strike="noStrike" kern="1200" cap="none" spc="0" normalizeH="0" baseline="0" noProof="0">
+                <a:ln>
+                  <a:noFill/>
+                </a:ln>
+                <a:solidFill>
+                  <a:schemeClr val="tx1"/>
+                </a:solidFill>
+                <a:effectLst/>
+                <a:uLnTx/>
+                <a:uFillTx/>
+                <a:latin typeface="Hiragino Sans W3" panose="020B0400000000000000" pitchFamily="34" charset="-128"/>
+                <a:ea typeface="Hiragino Sans W3" panose="020B0400000000000000" pitchFamily="34" charset="-128"/>
+                <a:cs typeface="+mn-cs"/>
+              </a:rPr>
+              <a:t>バネの長さと重さの関係を線形回帰で分析</a:t>
+            </a:r>
+            <a:endParaRPr kumimoji="1" lang="en-US" altLang="ja-JP" sz="2400" b="1" i="0" u="none" strike="noStrike" kern="1200" cap="none" spc="0" normalizeH="0" baseline="0" noProof="0" dirty="0">
+              <a:ln>
+                <a:noFill/>
+              </a:ln>
               <a:solidFill>
                 <a:schemeClr val="tx1"/>
               </a:solidFill>
+              <a:effectLst/>
+              <a:uLnTx/>
+              <a:uFillTx/>
+              <a:latin typeface="Hiragino Sans W3" panose="020B0400000000000000" pitchFamily="34" charset="-128"/>
+              <a:ea typeface="Hiragino Sans W3" panose="020B0400000000000000" pitchFamily="34" charset="-128"/>
+              <a:cs typeface="+mn-cs"/>
             </a:endParaRPr>
+          </a:p>
+        </p:txBody>
+      </p:sp>
+      <p:sp>
+        <p:nvSpPr>
+          <p:cNvPr id="3" name="TextBox 2"/>
+          <p:cNvSpPr txBox="1"/>
+          <p:nvPr/>
+        </p:nvSpPr>
+        <p:spPr>
+          <a:xfrm>
+            <a:off x="2459421" y="2950625"/>
+            <a:ext cx="4225158" cy="338554"/>
+          </a:xfrm>
+          <a:prstGeom prst="rect">
+            <a:avLst/>
+          </a:prstGeom>
+          <a:noFill/>
+        </p:spPr>
+        <p:txBody>
+          <a:bodyPr wrap="square">
+            <a:spAutoFit/>
+          </a:bodyPr>
+          <a:lstStyle/>
+          <a:p>
+            <a:pPr algn="ctr">
+              <a:defRPr sz="1600"/>
+            </a:pPr>
+            <a:r>
+              <a:rPr dirty="0">
+                <a:latin typeface="Hiragino Sans W0" panose="020B0400000000000000" pitchFamily="34" charset="-128"/>
+                <a:ea typeface="Hiragino Sans W0" panose="020B0400000000000000" pitchFamily="34" charset="-128"/>
+              </a:rPr>
+              <a:t>回帰式と決定係数R²から予測精度を探る</a:t>
+            </a:r>
           </a:p>
         </p:txBody>
       </p:sp>
@@ -6138,10 +6131,10 @@
       </p:grpSp>
       <p:pic>
         <p:nvPicPr>
-          <p:cNvPr id="50" name="図 49">
-            <a:extLst>
-              <a:ext uri="{FF2B5EF4-FFF2-40B4-BE49-F238E27FC236}">
-                <a16:creationId xmlns:a16="http://schemas.microsoft.com/office/drawing/2014/main" id="{869B9691-6BC4-6667-144D-CAEFF4873F5E}"/>
+          <p:cNvPr id="4" name="図 3">
+            <a:extLst>
+              <a:ext uri="{FF2B5EF4-FFF2-40B4-BE49-F238E27FC236}">
+                <a16:creationId xmlns:a16="http://schemas.microsoft.com/office/drawing/2014/main" id="{911BADA4-8D33-4800-3EE7-84BDC8B7A384}"/>
               </a:ext>
             </a:extLst>
           </p:cNvPr>
@@ -6152,15 +6145,15 @@
         </p:nvPicPr>
         <p:blipFill>
           <a:blip r:embed="rId3"/>
-          <a:srcRect l="7951" t="25255" r="7631" b="24983"/>
+          <a:srcRect l="7469" t="26401" r="7462" b="27221"/>
           <a:stretch>
             <a:fillRect/>
           </a:stretch>
         </p:blipFill>
         <p:spPr>
           <a:xfrm>
-            <a:off x="349709" y="1950579"/>
-            <a:ext cx="7998946" cy="1774332"/>
+            <a:off x="253917" y="1885904"/>
+            <a:ext cx="8564949" cy="1791564"/>
           </a:xfrm>
           <a:prstGeom prst="rect">
             <a:avLst/>

--- a/slides/spring_regression.pptx
+++ b/slides/spring_regression.pptx
@@ -5,15 +5,16 @@
     <p:sldMasterId id="2147483839" r:id="rId1"/>
   </p:sldMasterIdLst>
   <p:notesMasterIdLst>
-    <p:notesMasterId r:id="rId8"/>
+    <p:notesMasterId r:id="rId9"/>
   </p:notesMasterIdLst>
   <p:sldIdLst>
     <p:sldId id="260" r:id="rId2"/>
     <p:sldId id="256" r:id="rId3"/>
     <p:sldId id="257" r:id="rId4"/>
-    <p:sldId id="258" r:id="rId5"/>
-    <p:sldId id="259" r:id="rId6"/>
-    <p:sldId id="262" r:id="rId7"/>
+    <p:sldId id="263" r:id="rId5"/>
+    <p:sldId id="258" r:id="rId6"/>
+    <p:sldId id="259" r:id="rId7"/>
+    <p:sldId id="262" r:id="rId8"/>
   </p:sldIdLst>
   <p:sldSz cx="9144000" cy="6858000" type="screen4x3"/>
   <p:notesSz cx="6858000" cy="9144000"/>
@@ -577,7 +578,7 @@
           <a:p>
             <a:fld id="{10067144-C18E-FD46-9899-B2F3AE88491F}" type="slidenum">
               <a:rPr kumimoji="1" lang="ja-JP" altLang="en-US" smtClean="0"/>
-              <a:t>4</a:t>
+              <a:t>5</a:t>
             </a:fld>
             <a:endParaRPr kumimoji="1" lang="ja-JP" altLang="en-US"/>
           </a:p>
@@ -4328,7 +4329,21 @@
                 <a:latin typeface="HGS明朝E" panose="02020900000000000000" pitchFamily="18" charset="-128"/>
                 <a:ea typeface="HGS明朝E" panose="02020900000000000000" pitchFamily="18" charset="-128"/>
               </a:rPr>
-              <a:t>　　　　　　　　氏名　</a:t>
+              <a:t>　　　　　　　　氏名　山本</a:t>
+            </a:r>
+            <a:r>
+              <a:rPr lang="en-US" altLang="ja-JP" dirty="0">
+                <a:latin typeface="HGS明朝E" panose="02020900000000000000" pitchFamily="18" charset="-128"/>
+                <a:ea typeface="HGS明朝E" panose="02020900000000000000" pitchFamily="18" charset="-128"/>
+              </a:rPr>
+              <a:t> </a:t>
+            </a:r>
+            <a:r>
+              <a:rPr lang="ja-JP" altLang="en-US">
+                <a:latin typeface="HGS明朝E" panose="02020900000000000000" pitchFamily="18" charset="-128"/>
+                <a:ea typeface="HGS明朝E" panose="02020900000000000000" pitchFamily="18" charset="-128"/>
+              </a:rPr>
+              <a:t>政弘</a:t>
             </a:r>
             <a:endParaRPr lang="en-US" altLang="ja-JP" dirty="0">
               <a:latin typeface="HGS明朝E" panose="02020900000000000000" pitchFamily="18" charset="-128"/>
@@ -4633,8 +4648,8 @@
         </p:blipFill>
         <p:spPr>
           <a:xfrm>
-            <a:off x="846491" y="671688"/>
-            <a:ext cx="7451018" cy="4633391"/>
+            <a:off x="846000" y="669600"/>
+            <a:ext cx="7452000" cy="4634002"/>
           </a:xfrm>
           <a:prstGeom prst="rect">
             <a:avLst/>
@@ -4755,28 +4770,28 @@
             </a:pPr>
             <a:r>
               <a:rPr lang="ja-JP" altLang="en-US">
-                <a:latin typeface="Hiragino Sans W0" panose="020B0400000000000000" pitchFamily="34" charset="-128"/>
-                <a:ea typeface="Hiragino Sans W0" panose="020B0400000000000000" pitchFamily="34" charset="-128"/>
+                <a:latin typeface="Hiragino Sans W1" panose="020B0400000000000000" pitchFamily="34" charset="-128"/>
+                <a:ea typeface="Hiragino Sans W1" panose="020B0400000000000000" pitchFamily="34" charset="-128"/>
               </a:rPr>
               <a:t>実測値は全体として直線的に分布</a:t>
             </a:r>
             <a:r>
               <a:rPr lang="en-US" altLang="ja-JP" dirty="0">
-                <a:latin typeface="Hiragino Sans W0" panose="020B0400000000000000" pitchFamily="34" charset="-128"/>
-                <a:ea typeface="Hiragino Sans W0" panose="020B0400000000000000" pitchFamily="34" charset="-128"/>
+                <a:latin typeface="Hiragino Sans W1" panose="020B0400000000000000" pitchFamily="34" charset="-128"/>
+                <a:ea typeface="Hiragino Sans W1" panose="020B0400000000000000" pitchFamily="34" charset="-128"/>
               </a:rPr>
               <a:t> = </a:t>
             </a:r>
             <a:r>
               <a:rPr lang="ja-JP" altLang="en-US">
-                <a:latin typeface="Hiragino Sans W0" panose="020B0400000000000000" pitchFamily="34" charset="-128"/>
-                <a:ea typeface="Hiragino Sans W0" panose="020B0400000000000000" pitchFamily="34" charset="-128"/>
+                <a:latin typeface="Hiragino Sans W1" panose="020B0400000000000000" pitchFamily="34" charset="-128"/>
+                <a:ea typeface="Hiragino Sans W1" panose="020B0400000000000000" pitchFamily="34" charset="-128"/>
               </a:rPr>
               <a:t>比例に近い関係</a:t>
             </a:r>
             <a:endParaRPr lang="en-US" altLang="ja-JP" dirty="0">
-              <a:latin typeface="Hiragino Sans W0" panose="020B0400000000000000" pitchFamily="34" charset="-128"/>
-              <a:ea typeface="Hiragino Sans W0" panose="020B0400000000000000" pitchFamily="34" charset="-128"/>
+              <a:latin typeface="Hiragino Sans W1" panose="020B0400000000000000" pitchFamily="34" charset="-128"/>
+              <a:ea typeface="Hiragino Sans W1" panose="020B0400000000000000" pitchFamily="34" charset="-128"/>
             </a:endParaRPr>
           </a:p>
           <a:p>
@@ -4787,14 +4802,14 @@
             </a:pPr>
             <a:r>
               <a:rPr lang="ja-JP" altLang="en-US">
-                <a:latin typeface="Hiragino Sans W0" panose="020B0400000000000000" pitchFamily="34" charset="-128"/>
-                <a:ea typeface="Hiragino Sans W0" panose="020B0400000000000000" pitchFamily="34" charset="-128"/>
+                <a:latin typeface="Hiragino Sans W1" panose="020B0400000000000000" pitchFamily="34" charset="-128"/>
+                <a:ea typeface="Hiragino Sans W1" panose="020B0400000000000000" pitchFamily="34" charset="-128"/>
               </a:rPr>
               <a:t>回帰直線は、重さが増えるにつれてバネの長さが伸びる傾向を示している</a:t>
             </a:r>
             <a:endParaRPr lang="en-US" altLang="ja-JP" dirty="0">
-              <a:latin typeface="Hiragino Sans W0" panose="020B0400000000000000" pitchFamily="34" charset="-128"/>
-              <a:ea typeface="Hiragino Sans W0" panose="020B0400000000000000" pitchFamily="34" charset="-128"/>
+              <a:latin typeface="Hiragino Sans W1" panose="020B0400000000000000" pitchFamily="34" charset="-128"/>
+              <a:ea typeface="Hiragino Sans W1" panose="020B0400000000000000" pitchFamily="34" charset="-128"/>
             </a:endParaRPr>
           </a:p>
           <a:p>
@@ -4803,21 +4818,21 @@
             </a:pPr>
             <a:r>
               <a:rPr lang="en-US" altLang="ja-JP" dirty="0">
-                <a:latin typeface="Hiragino Sans W0" panose="020B0400000000000000" pitchFamily="34" charset="-128"/>
-                <a:ea typeface="Hiragino Sans W0" panose="020B0400000000000000" pitchFamily="34" charset="-128"/>
-              </a:rPr>
-              <a:t>         →</a:t>
+                <a:latin typeface="Hiragino Sans W1" panose="020B0400000000000000" pitchFamily="34" charset="-128"/>
+                <a:ea typeface="Hiragino Sans W1" panose="020B0400000000000000" pitchFamily="34" charset="-128"/>
+              </a:rPr>
+              <a:t>      →</a:t>
             </a:r>
             <a:r>
               <a:rPr lang="ja-JP" altLang="en-US">
-                <a:latin typeface="Hiragino Sans W0" panose="020B0400000000000000" pitchFamily="34" charset="-128"/>
-                <a:ea typeface="Hiragino Sans W0" panose="020B0400000000000000" pitchFamily="34" charset="-128"/>
+                <a:latin typeface="Hiragino Sans W1" panose="020B0400000000000000" pitchFamily="34" charset="-128"/>
+                <a:ea typeface="Hiragino Sans W1" panose="020B0400000000000000" pitchFamily="34" charset="-128"/>
               </a:rPr>
               <a:t>データ全体の「傾向」を最もよく表す一本の線</a:t>
             </a:r>
             <a:endParaRPr dirty="0">
-              <a:latin typeface="Hiragino Sans W0" panose="020B0400000000000000" pitchFamily="34" charset="-128"/>
-              <a:ea typeface="Hiragino Sans W0" panose="020B0400000000000000" pitchFamily="34" charset="-128"/>
+              <a:latin typeface="Hiragino Sans W1" panose="020B0400000000000000" pitchFamily="34" charset="-128"/>
+              <a:ea typeface="Hiragino Sans W1" panose="020B0400000000000000" pitchFamily="34" charset="-128"/>
             </a:endParaRPr>
           </a:p>
         </p:txBody>
@@ -5165,95 +5180,10 @@
       </p:grpSpPr>
       <p:sp>
         <p:nvSpPr>
-          <p:cNvPr id="2" name="TextBox 1"/>
-          <p:cNvSpPr txBox="1">
-            <a:spLocks noGrp="1"/>
-          </p:cNvSpPr>
-          <p:nvPr>
-            <p:ph type="title" idx="4294967295"/>
-          </p:nvPr>
-        </p:nvSpPr>
-        <p:spPr>
-          <a:xfrm>
-            <a:off x="282282" y="174157"/>
-            <a:ext cx="5295014" cy="461665"/>
-          </a:xfrm>
-          <a:prstGeom prst="rect">
-            <a:avLst/>
-          </a:prstGeom>
-          <a:noFill/>
-          <a:ln>
-            <a:noFill/>
-            <a:prstDash/>
-          </a:ln>
-          <a:effectLst/>
-        </p:spPr>
-        <p:txBody>
-          <a:bodyPr rot="0" spcFirstLastPara="0" vertOverflow="overflow" horzOverflow="overflow" vert="horz" wrap="square" lIns="91440" tIns="45720" rIns="91440" bIns="45720" numCol="1" spcCol="0" rtlCol="0" fromWordArt="0" anchor="ctr" anchorCtr="1" forceAA="0" compatLnSpc="1">
-            <a:prstTxWarp prst="textNoShape">
-              <a:avLst/>
-            </a:prstTxWarp>
-            <a:spAutoFit/>
-          </a:bodyPr>
-          <a:lstStyle/>
-          <a:p>
-            <a:pPr marL="0" marR="0" lvl="0" indent="0" algn="l" defTabSz="914400" rtl="0" eaLnBrk="1" fontAlgn="auto" latinLnBrk="0" hangingPunct="1">
-              <a:lnSpc>
-                <a:spcPct val="100000"/>
-              </a:lnSpc>
-              <a:spcBef>
-                <a:spcPts val="0"/>
-              </a:spcBef>
-              <a:spcAft>
-                <a:spcPts val="0"/>
-              </a:spcAft>
-              <a:buClrTx/>
-              <a:buSzTx/>
-              <a:buFontTx/>
-              <a:buNone/>
-              <a:tabLst/>
-              <a:defRPr/>
-            </a:pPr>
-            <a:r>
-              <a:rPr kumimoji="1" lang="ja-JP" altLang="en-US" sz="2400" b="0" i="0" u="none" strike="noStrike" kern="1200" cap="none" spc="0" normalizeH="0" baseline="0" noProof="0">
-                <a:ln>
-                  <a:noFill/>
-                </a:ln>
-                <a:solidFill>
-                  <a:schemeClr val="tx1"/>
-                </a:solidFill>
-                <a:effectLst/>
-                <a:uLnTx/>
-                <a:uFillTx/>
-                <a:latin typeface="Hiragino Sans W4" panose="020B0400000000000000" pitchFamily="34" charset="-128"/>
-                <a:ea typeface="Hiragino Sans W4" panose="020B0400000000000000" pitchFamily="34" charset="-128"/>
-                <a:cs typeface="+mn-cs"/>
-              </a:rPr>
-              <a:t>線形回帰で得られた数式とその意味</a:t>
-            </a:r>
-            <a:endParaRPr kumimoji="1" lang="ja-JP" altLang="en-US" sz="2400" b="0" i="0" u="none" strike="noStrike" kern="1200" cap="none" spc="0" normalizeH="0" baseline="0" noProof="0" dirty="0">
-              <a:ln>
-                <a:noFill/>
-              </a:ln>
-              <a:solidFill>
-                <a:schemeClr val="tx1"/>
-              </a:solidFill>
-              <a:effectLst/>
-              <a:uLnTx/>
-              <a:uFillTx/>
-              <a:latin typeface="Hiragino Sans W4" panose="020B0400000000000000" pitchFamily="34" charset="-128"/>
-              <a:ea typeface="Hiragino Sans W4" panose="020B0400000000000000" pitchFamily="34" charset="-128"/>
-              <a:cs typeface="+mn-cs"/>
-            </a:endParaRPr>
-          </a:p>
-        </p:txBody>
-      </p:sp>
-      <p:sp>
-        <p:nvSpPr>
-          <p:cNvPr id="6" name="正方形/長方形 5">
+          <p:cNvPr id="2" name="正方形/長方形 1">
             <a:extLst>
               <a:ext uri="{FF2B5EF4-FFF2-40B4-BE49-F238E27FC236}">
-                <a16:creationId xmlns:a16="http://schemas.microsoft.com/office/drawing/2014/main" id="{2111BE10-4B3B-9815-6F31-56B21305A229}"/>
+                <a16:creationId xmlns:a16="http://schemas.microsoft.com/office/drawing/2014/main" id="{259C3D3D-E882-E073-A6D4-C224EB581E6A}"/>
               </a:ext>
             </a:extLst>
           </p:cNvPr>
@@ -5304,6 +5234,1857 @@
       </p:sp>
       <p:sp>
         <p:nvSpPr>
+          <p:cNvPr id="3" name="テキスト ボックス 2">
+            <a:extLst>
+              <a:ext uri="{FF2B5EF4-FFF2-40B4-BE49-F238E27FC236}">
+                <a16:creationId xmlns:a16="http://schemas.microsoft.com/office/drawing/2014/main" id="{ECFE35FC-F10A-85A9-B124-16D4597A9C40}"/>
+              </a:ext>
+            </a:extLst>
+          </p:cNvPr>
+          <p:cNvSpPr txBox="1"/>
+          <p:nvPr/>
+        </p:nvSpPr>
+        <p:spPr>
+          <a:xfrm>
+            <a:off x="320571" y="174157"/>
+            <a:ext cx="6955750" cy="461665"/>
+          </a:xfrm>
+          <a:prstGeom prst="rect">
+            <a:avLst/>
+          </a:prstGeom>
+          <a:noFill/>
+          <a:ln w="9525" cmpd="sng">
+            <a:noFill/>
+            <a:prstDash val="solid"/>
+            <a:round/>
+          </a:ln>
+          <a:effectLst/>
+        </p:spPr>
+        <p:txBody>
+          <a:bodyPr wrap="none" rtlCol="0" anchor="ctr" anchorCtr="1">
+            <a:spAutoFit/>
+          </a:bodyPr>
+          <a:lstStyle/>
+          <a:p>
+            <a:r>
+              <a:rPr lang="ja-JP" altLang="en-US" sz="2400">
+                <a:latin typeface="Hiragino Sans W4" panose="020B0400000000000000" pitchFamily="34" charset="-128"/>
+                <a:ea typeface="Hiragino Sans W4" panose="020B0400000000000000" pitchFamily="34" charset="-128"/>
+              </a:rPr>
+              <a:t>最小二乗法：誤差を最小化して最適な直線を導く</a:t>
+            </a:r>
+            <a:endParaRPr kumimoji="1" lang="ja-JP" altLang="en-US" sz="2400" dirty="0">
+              <a:latin typeface="Hiragino Sans W4" panose="020B0400000000000000" pitchFamily="34" charset="-128"/>
+              <a:ea typeface="Hiragino Sans W4" panose="020B0400000000000000" pitchFamily="34" charset="-128"/>
+              <a:cs typeface="Consolas" panose="020B0609020204030204" pitchFamily="49" charset="0"/>
+            </a:endParaRPr>
+          </a:p>
+        </p:txBody>
+      </p:sp>
+      <p:sp>
+        <p:nvSpPr>
+          <p:cNvPr id="70" name="テキスト ボックス 69">
+            <a:extLst>
+              <a:ext uri="{FF2B5EF4-FFF2-40B4-BE49-F238E27FC236}">
+                <a16:creationId xmlns:a16="http://schemas.microsoft.com/office/drawing/2014/main" id="{EE6412DD-C775-685F-5D3B-319336412509}"/>
+              </a:ext>
+            </a:extLst>
+          </p:cNvPr>
+          <p:cNvSpPr txBox="1"/>
+          <p:nvPr/>
+        </p:nvSpPr>
+        <p:spPr>
+          <a:xfrm>
+            <a:off x="0" y="5678005"/>
+            <a:ext cx="9143999" cy="1077218"/>
+          </a:xfrm>
+          <a:prstGeom prst="rect">
+            <a:avLst/>
+          </a:prstGeom>
+          <a:noFill/>
+          <a:ln w="9525" cmpd="sng">
+            <a:noFill/>
+            <a:prstDash val="solid"/>
+            <a:round/>
+          </a:ln>
+          <a:effectLst/>
+        </p:spPr>
+        <p:txBody>
+          <a:bodyPr wrap="square" rtlCol="0" anchor="ctr" anchorCtr="0">
+            <a:spAutoFit/>
+          </a:bodyPr>
+          <a:lstStyle/>
+          <a:p>
+            <a:pPr algn="l"/>
+            <a:r>
+              <a:rPr kumimoji="1" lang="en-US" altLang="ja-JP" sz="1600" dirty="0">
+                <a:latin typeface="Hiragino Sans W1" panose="020B0400000000000000" pitchFamily="34" charset="-128"/>
+                <a:ea typeface="Hiragino Sans W1" panose="020B0400000000000000" pitchFamily="34" charset="-128"/>
+                <a:cs typeface="Consolas" panose="020B0609020204030204" pitchFamily="49" charset="0"/>
+              </a:rPr>
+              <a:t>- </a:t>
+            </a:r>
+            <a:r>
+              <a:rPr kumimoji="1" lang="ja-JP" altLang="en-US" sz="1600">
+                <a:latin typeface="Hiragino Sans W1" panose="020B0400000000000000" pitchFamily="34" charset="-128"/>
+                <a:ea typeface="Hiragino Sans W1" panose="020B0400000000000000" pitchFamily="34" charset="-128"/>
+                <a:cs typeface="Consolas" panose="020B0609020204030204" pitchFamily="49" charset="0"/>
+              </a:rPr>
+              <a:t>最小二乗法</a:t>
+            </a:r>
+            <a:endParaRPr kumimoji="1" lang="en-US" altLang="ja-JP" sz="1600" dirty="0">
+              <a:latin typeface="Hiragino Sans W1" panose="020B0400000000000000" pitchFamily="34" charset="-128"/>
+              <a:ea typeface="Hiragino Sans W1" panose="020B0400000000000000" pitchFamily="34" charset="-128"/>
+              <a:cs typeface="Consolas" panose="020B0609020204030204" pitchFamily="49" charset="0"/>
+            </a:endParaRPr>
+          </a:p>
+          <a:p>
+            <a:pPr marL="285750" indent="-285750">
+              <a:buClr>
+                <a:srgbClr val="FF0000"/>
+              </a:buClr>
+              <a:buFont typeface="Wingdings" pitchFamily="2" charset="2"/>
+              <a:buChar char="Ø"/>
+            </a:pPr>
+            <a:r>
+              <a:rPr lang="ja-JP" altLang="en-US" sz="1600">
+                <a:latin typeface="Hiragino Sans W1" panose="020B0400000000000000" pitchFamily="34" charset="-128"/>
+                <a:ea typeface="Hiragino Sans W1" panose="020B0400000000000000" pitchFamily="34" charset="-128"/>
+              </a:rPr>
+              <a:t>実測値と回帰直線との「ズレ</a:t>
+            </a:r>
+            <a:r>
+              <a:rPr lang="en-US" altLang="ja-JP" sz="1600" dirty="0">
+                <a:latin typeface="Hiragino Sans W1" panose="020B0400000000000000" pitchFamily="34" charset="-128"/>
+                <a:ea typeface="Hiragino Sans W1" panose="020B0400000000000000" pitchFamily="34" charset="-128"/>
+              </a:rPr>
+              <a:t>²</a:t>
+            </a:r>
+            <a:r>
+              <a:rPr lang="ja-JP" altLang="en-US" sz="1600">
+                <a:latin typeface="Hiragino Sans W1" panose="020B0400000000000000" pitchFamily="34" charset="-128"/>
+                <a:ea typeface="Hiragino Sans W1" panose="020B0400000000000000" pitchFamily="34" charset="-128"/>
+              </a:rPr>
+              <a:t>」の合計が最も小さくなるように、傾きと切片を計算する手法</a:t>
+            </a:r>
+            <a:endParaRPr lang="en-US" altLang="ja-JP" sz="1600" dirty="0">
+              <a:latin typeface="Hiragino Sans W1" panose="020B0400000000000000" pitchFamily="34" charset="-128"/>
+              <a:ea typeface="Hiragino Sans W1" panose="020B0400000000000000" pitchFamily="34" charset="-128"/>
+            </a:endParaRPr>
+          </a:p>
+          <a:p>
+            <a:r>
+              <a:rPr lang="en-US" altLang="ja-JP" sz="1600" dirty="0">
+                <a:latin typeface="Hiragino Sans W1" panose="020B0400000000000000" pitchFamily="34" charset="-128"/>
+                <a:ea typeface="Hiragino Sans W1" panose="020B0400000000000000" pitchFamily="34" charset="-128"/>
+              </a:rPr>
+              <a:t>- </a:t>
+            </a:r>
+            <a:r>
+              <a:rPr lang="el-GR" altLang="ja-JP" sz="1600" dirty="0">
+                <a:latin typeface="Hiragino Sans W1" panose="020B0400000000000000" pitchFamily="34" charset="-128"/>
+                <a:ea typeface="Hiragino Sans W1" panose="020B0400000000000000" pitchFamily="34" charset="-128"/>
+              </a:rPr>
+              <a:t>Σ (</a:t>
+            </a:r>
+            <a:r>
+              <a:rPr lang="en" altLang="ja-JP" sz="1600" dirty="0">
+                <a:latin typeface="Hiragino Sans W1" panose="020B0400000000000000" pitchFamily="34" charset="-128"/>
+                <a:ea typeface="Hiragino Sans W1" panose="020B0400000000000000" pitchFamily="34" charset="-128"/>
+              </a:rPr>
+              <a:t>yᵢ - (a·xᵢ + b))² </a:t>
+            </a:r>
+            <a:r>
+              <a:rPr lang="ja-JP" altLang="en-US" sz="1600">
+                <a:latin typeface="Hiragino Sans W1" panose="020B0400000000000000" pitchFamily="34" charset="-128"/>
+                <a:ea typeface="Hiragino Sans W1" panose="020B0400000000000000" pitchFamily="34" charset="-128"/>
+              </a:rPr>
+              <a:t>を最小にする </a:t>
+            </a:r>
+            <a:r>
+              <a:rPr lang="en" altLang="ja-JP" sz="1600" dirty="0">
+                <a:latin typeface="Hiragino Sans W1" panose="020B0400000000000000" pitchFamily="34" charset="-128"/>
+                <a:ea typeface="Hiragino Sans W1" panose="020B0400000000000000" pitchFamily="34" charset="-128"/>
+              </a:rPr>
+              <a:t>a, b </a:t>
+            </a:r>
+            <a:r>
+              <a:rPr lang="ja-JP" altLang="en-US" sz="1600">
+                <a:latin typeface="Hiragino Sans W1" panose="020B0400000000000000" pitchFamily="34" charset="-128"/>
+                <a:ea typeface="Hiragino Sans W1" panose="020B0400000000000000" pitchFamily="34" charset="-128"/>
+              </a:rPr>
+              <a:t>を求める</a:t>
+            </a:r>
+            <a:endParaRPr lang="en-US" altLang="ja-JP" sz="1600" dirty="0">
+              <a:latin typeface="Hiragino Sans W1" panose="020B0400000000000000" pitchFamily="34" charset="-128"/>
+              <a:ea typeface="Hiragino Sans W1" panose="020B0400000000000000" pitchFamily="34" charset="-128"/>
+            </a:endParaRPr>
+          </a:p>
+          <a:p>
+            <a:pPr marL="285750" indent="-285750">
+              <a:buClr>
+                <a:srgbClr val="FF0000"/>
+              </a:buClr>
+              <a:buSzPct val="90000"/>
+              <a:buFont typeface="Wingdings" pitchFamily="2" charset="2"/>
+              <a:buChar char="Ø"/>
+            </a:pPr>
+            <a:r>
+              <a:rPr lang="ja-JP" altLang="en-US" sz="1600">
+                <a:latin typeface="Hiragino Sans W1" panose="020B0400000000000000" pitchFamily="34" charset="-128"/>
+                <a:ea typeface="Hiragino Sans W1" panose="020B0400000000000000" pitchFamily="34" charset="-128"/>
+                <a:cs typeface="Consolas" panose="020B0609020204030204" pitchFamily="49" charset="0"/>
+              </a:rPr>
+              <a:t>「すべての実測値と回帰直線との“垂直距離の二乗”」を最小にする</a:t>
+            </a:r>
+            <a:endParaRPr lang="en-US" altLang="ja-JP" sz="1600" dirty="0">
+              <a:latin typeface="Hiragino Sans W1" panose="020B0400000000000000" pitchFamily="34" charset="-128"/>
+              <a:ea typeface="Hiragino Sans W1" panose="020B0400000000000000" pitchFamily="34" charset="-128"/>
+              <a:cs typeface="Consolas" panose="020B0609020204030204" pitchFamily="49" charset="0"/>
+            </a:endParaRPr>
+          </a:p>
+        </p:txBody>
+      </p:sp>
+      <p:pic>
+        <p:nvPicPr>
+          <p:cNvPr id="72" name="図 71">
+            <a:extLst>
+              <a:ext uri="{FF2B5EF4-FFF2-40B4-BE49-F238E27FC236}">
+                <a16:creationId xmlns:a16="http://schemas.microsoft.com/office/drawing/2014/main" id="{E0329E05-FF42-57C3-45BC-D0ACA06EEFA7}"/>
+              </a:ext>
+            </a:extLst>
+          </p:cNvPr>
+          <p:cNvPicPr>
+            <a:picLocks noChangeAspect="1"/>
+          </p:cNvPicPr>
+          <p:nvPr/>
+        </p:nvPicPr>
+        <p:blipFill>
+          <a:blip r:embed="rId2"/>
+          <a:srcRect l="6507" t="7679" r="6757" b="2427"/>
+          <a:stretch>
+            <a:fillRect/>
+          </a:stretch>
+        </p:blipFill>
+        <p:spPr>
+          <a:xfrm>
+            <a:off x="218600" y="672157"/>
+            <a:ext cx="7452000" cy="4634002"/>
+          </a:xfrm>
+          <a:prstGeom prst="rect">
+            <a:avLst/>
+          </a:prstGeom>
+        </p:spPr>
+      </p:pic>
+      <p:grpSp>
+        <p:nvGrpSpPr>
+          <p:cNvPr id="65" name="グループ化 64">
+            <a:extLst>
+              <a:ext uri="{FF2B5EF4-FFF2-40B4-BE49-F238E27FC236}">
+                <a16:creationId xmlns:a16="http://schemas.microsoft.com/office/drawing/2014/main" id="{D646FB16-F0B3-81A8-2749-73201C066414}"/>
+              </a:ext>
+            </a:extLst>
+          </p:cNvPr>
+          <p:cNvGrpSpPr/>
+          <p:nvPr/>
+        </p:nvGrpSpPr>
+        <p:grpSpPr>
+          <a:xfrm>
+            <a:off x="135853" y="5160469"/>
+            <a:ext cx="2055808" cy="477077"/>
+            <a:chOff x="324396" y="4892767"/>
+            <a:chExt cx="2055808" cy="477077"/>
+          </a:xfrm>
+        </p:grpSpPr>
+        <p:sp>
+          <p:nvSpPr>
+            <p:cNvPr id="66" name="正方形/長方形 65">
+              <a:extLst>
+                <a:ext uri="{FF2B5EF4-FFF2-40B4-BE49-F238E27FC236}">
+                  <a16:creationId xmlns:a16="http://schemas.microsoft.com/office/drawing/2014/main" id="{04480D6C-953C-2FE2-3C12-CE269C7750C4}"/>
+                </a:ext>
+              </a:extLst>
+            </p:cNvPr>
+            <p:cNvSpPr/>
+            <p:nvPr/>
+          </p:nvSpPr>
+          <p:spPr>
+            <a:xfrm rot="414206">
+              <a:off x="336695" y="4978293"/>
+              <a:ext cx="2043509" cy="391551"/>
+            </a:xfrm>
+            <a:prstGeom prst="rect">
+              <a:avLst/>
+            </a:prstGeom>
+            <a:solidFill>
+              <a:schemeClr val="bg1">
+                <a:lumMod val="65000"/>
+              </a:schemeClr>
+            </a:solidFill>
+            <a:ln>
+              <a:noFill/>
+            </a:ln>
+            <a:effectLst>
+              <a:softEdge rad="139700"/>
+            </a:effectLst>
+          </p:spPr>
+          <p:style>
+            <a:lnRef idx="2">
+              <a:schemeClr val="accent1">
+                <a:shade val="15000"/>
+              </a:schemeClr>
+            </a:lnRef>
+            <a:fillRef idx="1">
+              <a:schemeClr val="accent1"/>
+            </a:fillRef>
+            <a:effectRef idx="0">
+              <a:schemeClr val="accent1"/>
+            </a:effectRef>
+            <a:fontRef idx="minor">
+              <a:schemeClr val="lt1"/>
+            </a:fontRef>
+          </p:style>
+          <p:txBody>
+            <a:bodyPr rtlCol="0" anchor="ctr"/>
+            <a:lstStyle/>
+            <a:p>
+              <a:pPr algn="ctr"/>
+              <a:endParaRPr kumimoji="1" lang="ja-JP" altLang="en-US"/>
+            </a:p>
+          </p:txBody>
+        </p:sp>
+        <p:sp>
+          <p:nvSpPr>
+            <p:cNvPr id="67" name="正方形/長方形 66">
+              <a:extLst>
+                <a:ext uri="{FF2B5EF4-FFF2-40B4-BE49-F238E27FC236}">
+                  <a16:creationId xmlns:a16="http://schemas.microsoft.com/office/drawing/2014/main" id="{604DE0A7-E98E-3799-CA2D-84D3E8122A8C}"/>
+                </a:ext>
+              </a:extLst>
+            </p:cNvPr>
+            <p:cNvSpPr/>
+            <p:nvPr/>
+          </p:nvSpPr>
+          <p:spPr>
+            <a:xfrm>
+              <a:off x="324396" y="4892767"/>
+              <a:ext cx="85061" cy="391551"/>
+            </a:xfrm>
+            <a:prstGeom prst="rect">
+              <a:avLst/>
+            </a:prstGeom>
+            <a:solidFill>
+              <a:schemeClr val="accent2"/>
+            </a:solidFill>
+            <a:ln>
+              <a:noFill/>
+            </a:ln>
+          </p:spPr>
+          <p:style>
+            <a:lnRef idx="2">
+              <a:schemeClr val="accent1">
+                <a:shade val="15000"/>
+              </a:schemeClr>
+            </a:lnRef>
+            <a:fillRef idx="1">
+              <a:schemeClr val="accent1"/>
+            </a:fillRef>
+            <a:effectRef idx="0">
+              <a:schemeClr val="accent1"/>
+            </a:effectRef>
+            <a:fontRef idx="minor">
+              <a:schemeClr val="lt1"/>
+            </a:fontRef>
+          </p:style>
+          <p:txBody>
+            <a:bodyPr rtlCol="0" anchor="ctr"/>
+            <a:lstStyle/>
+            <a:p>
+              <a:pPr algn="ctr"/>
+              <a:endParaRPr kumimoji="1" lang="ja-JP" altLang="en-US"/>
+            </a:p>
+          </p:txBody>
+        </p:sp>
+        <p:sp>
+          <p:nvSpPr>
+            <p:cNvPr id="68" name="正方形/長方形 67">
+              <a:extLst>
+                <a:ext uri="{FF2B5EF4-FFF2-40B4-BE49-F238E27FC236}">
+                  <a16:creationId xmlns:a16="http://schemas.microsoft.com/office/drawing/2014/main" id="{1B9477EA-06FC-FFF7-418E-D82E4BEC6B61}"/>
+                </a:ext>
+              </a:extLst>
+            </p:cNvPr>
+            <p:cNvSpPr/>
+            <p:nvPr/>
+          </p:nvSpPr>
+          <p:spPr>
+            <a:xfrm>
+              <a:off x="366926" y="4892767"/>
+              <a:ext cx="1956391" cy="391551"/>
+            </a:xfrm>
+            <a:prstGeom prst="rect">
+              <a:avLst/>
+            </a:prstGeom>
+            <a:gradFill>
+              <a:gsLst>
+                <a:gs pos="100000">
+                  <a:schemeClr val="accent2">
+                    <a:lumMod val="61000"/>
+                    <a:lumOff val="39000"/>
+                  </a:schemeClr>
+                </a:gs>
+                <a:gs pos="0">
+                  <a:schemeClr val="accent2"/>
+                </a:gs>
+              </a:gsLst>
+              <a:lin ang="3000000" scaled="0"/>
+            </a:gradFill>
+            <a:ln>
+              <a:noFill/>
+            </a:ln>
+          </p:spPr>
+          <p:style>
+            <a:lnRef idx="2">
+              <a:schemeClr val="accent1">
+                <a:shade val="15000"/>
+              </a:schemeClr>
+            </a:lnRef>
+            <a:fillRef idx="1">
+              <a:schemeClr val="accent1"/>
+            </a:fillRef>
+            <a:effectRef idx="0">
+              <a:schemeClr val="accent1"/>
+            </a:effectRef>
+            <a:fontRef idx="minor">
+              <a:schemeClr val="lt1"/>
+            </a:fontRef>
+          </p:style>
+          <p:txBody>
+            <a:bodyPr rtlCol="0" anchor="ctr"/>
+            <a:lstStyle/>
+            <a:p>
+              <a:pPr algn="ctr"/>
+              <a:endParaRPr kumimoji="1" lang="ja-JP" altLang="en-US"/>
+            </a:p>
+          </p:txBody>
+        </p:sp>
+        <p:sp>
+          <p:nvSpPr>
+            <p:cNvPr id="69" name="テキスト ボックス 68">
+              <a:extLst>
+                <a:ext uri="{FF2B5EF4-FFF2-40B4-BE49-F238E27FC236}">
+                  <a16:creationId xmlns:a16="http://schemas.microsoft.com/office/drawing/2014/main" id="{BF6133EB-1346-C13D-000B-85C1C6F76721}"/>
+                </a:ext>
+              </a:extLst>
+            </p:cNvPr>
+            <p:cNvSpPr txBox="1"/>
+            <p:nvPr/>
+          </p:nvSpPr>
+          <p:spPr>
+            <a:xfrm>
+              <a:off x="652314" y="4903876"/>
+              <a:ext cx="1385614" cy="369332"/>
+            </a:xfrm>
+            <a:prstGeom prst="rect">
+              <a:avLst/>
+            </a:prstGeom>
+            <a:noFill/>
+          </p:spPr>
+          <p:txBody>
+            <a:bodyPr wrap="square" anchor="ctr" anchorCtr="1">
+              <a:spAutoFit/>
+            </a:bodyPr>
+            <a:lstStyle/>
+            <a:p>
+              <a:r>
+                <a:rPr kumimoji="1" lang="en-US" altLang="ja-JP" sz="1800" spc="300" dirty="0">
+                  <a:ln w="3175">
+                    <a:noFill/>
+                  </a:ln>
+                  <a:solidFill>
+                    <a:schemeClr val="bg1"/>
+                  </a:solidFill>
+                  <a:latin typeface="Hiragino Sans W4" panose="020B0400000000000000" pitchFamily="34" charset="-128"/>
+                  <a:ea typeface="Hiragino Sans W4" panose="020B0400000000000000" pitchFamily="34" charset="-128"/>
+                </a:rPr>
+                <a:t>POINT</a:t>
+              </a:r>
+              <a:r>
+                <a:rPr kumimoji="1" lang="ja-JP" altLang="en-US" sz="1800" spc="300">
+                  <a:ln w="3175">
+                    <a:noFill/>
+                  </a:ln>
+                  <a:solidFill>
+                    <a:schemeClr val="bg1"/>
+                  </a:solidFill>
+                  <a:latin typeface="Hiragino Sans W4" panose="020B0400000000000000" pitchFamily="34" charset="-128"/>
+                  <a:ea typeface="Hiragino Sans W4" panose="020B0400000000000000" pitchFamily="34" charset="-128"/>
+                </a:rPr>
+                <a:t>！</a:t>
+              </a:r>
+            </a:p>
+          </p:txBody>
+        </p:sp>
+      </p:grpSp>
+      <p:cxnSp>
+        <p:nvCxnSpPr>
+          <p:cNvPr id="76" name="直線矢印コネクタ 75">
+            <a:extLst>
+              <a:ext uri="{FF2B5EF4-FFF2-40B4-BE49-F238E27FC236}">
+                <a16:creationId xmlns:a16="http://schemas.microsoft.com/office/drawing/2014/main" id="{99070585-405A-52E1-F340-77AF3398F43D}"/>
+              </a:ext>
+            </a:extLst>
+          </p:cNvPr>
+          <p:cNvCxnSpPr/>
+          <p:nvPr/>
+        </p:nvCxnSpPr>
+        <p:spPr>
+          <a:xfrm>
+            <a:off x="1771671" y="4210763"/>
+            <a:ext cx="0" cy="432620"/>
+          </a:xfrm>
+          <a:prstGeom prst="straightConnector1">
+            <a:avLst/>
+          </a:prstGeom>
+          <a:ln w="22225">
+            <a:solidFill>
+              <a:srgbClr val="FF0000"/>
+            </a:solidFill>
+            <a:tailEnd type="triangle"/>
+          </a:ln>
+        </p:spPr>
+        <p:style>
+          <a:lnRef idx="1">
+            <a:schemeClr val="accent1"/>
+          </a:lnRef>
+          <a:fillRef idx="0">
+            <a:schemeClr val="accent1"/>
+          </a:fillRef>
+          <a:effectRef idx="0">
+            <a:schemeClr val="accent1"/>
+          </a:effectRef>
+          <a:fontRef idx="minor">
+            <a:schemeClr val="tx1"/>
+          </a:fontRef>
+        </p:style>
+      </p:cxnSp>
+      <p:sp>
+        <p:nvSpPr>
+          <p:cNvPr id="77" name="線吹き出し 2 (枠付き) 76">
+            <a:extLst>
+              <a:ext uri="{FF2B5EF4-FFF2-40B4-BE49-F238E27FC236}">
+                <a16:creationId xmlns:a16="http://schemas.microsoft.com/office/drawing/2014/main" id="{A1DCE7F3-DA60-C1AD-D72D-BB84FD46DA3A}"/>
+              </a:ext>
+            </a:extLst>
+          </p:cNvPr>
+          <p:cNvSpPr/>
+          <p:nvPr/>
+        </p:nvSpPr>
+        <p:spPr>
+          <a:xfrm>
+            <a:off x="2756408" y="928591"/>
+            <a:ext cx="6004134" cy="3067664"/>
+          </a:xfrm>
+          <a:prstGeom prst="borderCallout2">
+            <a:avLst>
+              <a:gd name="adj1" fmla="val 65544"/>
+              <a:gd name="adj2" fmla="val -314"/>
+              <a:gd name="adj3" fmla="val 65545"/>
+              <a:gd name="adj4" fmla="val -7630"/>
+              <a:gd name="adj5" fmla="val 105130"/>
+              <a:gd name="adj6" fmla="val -14517"/>
+            </a:avLst>
+          </a:prstGeom>
+          <a:solidFill>
+            <a:schemeClr val="bg1"/>
+          </a:solidFill>
+          <a:effectLst>
+            <a:outerShdw blurRad="50800" dist="38100" dir="5400000" algn="t" rotWithShape="0">
+              <a:prstClr val="black">
+                <a:alpha val="40000"/>
+              </a:prstClr>
+            </a:outerShdw>
+          </a:effectLst>
+        </p:spPr>
+        <p:style>
+          <a:lnRef idx="2">
+            <a:schemeClr val="accent1">
+              <a:shade val="15000"/>
+            </a:schemeClr>
+          </a:lnRef>
+          <a:fillRef idx="1">
+            <a:schemeClr val="accent1"/>
+          </a:fillRef>
+          <a:effectRef idx="0">
+            <a:schemeClr val="accent1"/>
+          </a:effectRef>
+          <a:fontRef idx="minor">
+            <a:schemeClr val="lt1"/>
+          </a:fontRef>
+        </p:style>
+        <p:txBody>
+          <a:bodyPr rtlCol="0" anchor="ctr"/>
+          <a:lstStyle/>
+          <a:p>
+            <a:pPr algn="ctr"/>
+            <a:endParaRPr kumimoji="1" lang="ja-JP" altLang="en-US"/>
+          </a:p>
+        </p:txBody>
+      </p:sp>
+      <p:grpSp>
+        <p:nvGrpSpPr>
+          <p:cNvPr id="91" name="グループ化 90">
+            <a:extLst>
+              <a:ext uri="{FF2B5EF4-FFF2-40B4-BE49-F238E27FC236}">
+                <a16:creationId xmlns:a16="http://schemas.microsoft.com/office/drawing/2014/main" id="{E64007F5-36CA-F046-C034-FD8ABC08FCB9}"/>
+              </a:ext>
+            </a:extLst>
+          </p:cNvPr>
+          <p:cNvGrpSpPr/>
+          <p:nvPr/>
+        </p:nvGrpSpPr>
+        <p:grpSpPr>
+          <a:xfrm>
+            <a:off x="2798621" y="1111291"/>
+            <a:ext cx="3752351" cy="2872674"/>
+            <a:chOff x="4253214" y="1052051"/>
+            <a:chExt cx="3661754" cy="2872674"/>
+          </a:xfrm>
+        </p:grpSpPr>
+        <p:pic>
+          <p:nvPicPr>
+            <p:cNvPr id="78" name="図 77">
+              <a:extLst>
+                <a:ext uri="{FF2B5EF4-FFF2-40B4-BE49-F238E27FC236}">
+                  <a16:creationId xmlns:a16="http://schemas.microsoft.com/office/drawing/2014/main" id="{1529725A-3E15-0AFE-C688-A39478B32379}"/>
+                </a:ext>
+              </a:extLst>
+            </p:cNvPr>
+            <p:cNvPicPr>
+              <a:picLocks noChangeAspect="1"/>
+            </p:cNvPicPr>
+            <p:nvPr/>
+          </p:nvPicPr>
+          <p:blipFill>
+            <a:blip r:embed="rId2"/>
+            <a:srcRect l="18891" t="53407" r="54892" b="11235"/>
+            <a:stretch>
+              <a:fillRect/>
+            </a:stretch>
+          </p:blipFill>
+          <p:spPr>
+            <a:xfrm>
+              <a:off x="4253214" y="1104952"/>
+              <a:ext cx="3484773" cy="2819773"/>
+            </a:xfrm>
+            <a:prstGeom prst="rect">
+              <a:avLst/>
+            </a:prstGeom>
+            <a:noFill/>
+            <a:ln>
+              <a:noFill/>
+            </a:ln>
+          </p:spPr>
+        </p:pic>
+        <p:sp>
+          <p:nvSpPr>
+            <p:cNvPr id="85" name="正方形/長方形 84">
+              <a:extLst>
+                <a:ext uri="{FF2B5EF4-FFF2-40B4-BE49-F238E27FC236}">
+                  <a16:creationId xmlns:a16="http://schemas.microsoft.com/office/drawing/2014/main" id="{5E530ACF-915D-C2DF-CD4A-D3F26E8C25A0}"/>
+                </a:ext>
+              </a:extLst>
+            </p:cNvPr>
+            <p:cNvSpPr/>
+            <p:nvPr/>
+          </p:nvSpPr>
+          <p:spPr>
+            <a:xfrm>
+              <a:off x="4253214" y="1052051"/>
+              <a:ext cx="3661754" cy="1485770"/>
+            </a:xfrm>
+            <a:prstGeom prst="rect">
+              <a:avLst/>
+            </a:prstGeom>
+            <a:gradFill flip="none" rotWithShape="1">
+              <a:gsLst>
+                <a:gs pos="31000">
+                  <a:schemeClr val="bg1"/>
+                </a:gs>
+                <a:gs pos="100000">
+                  <a:schemeClr val="bg1">
+                    <a:alpha val="0"/>
+                  </a:schemeClr>
+                </a:gs>
+              </a:gsLst>
+              <a:lin ang="5400000" scaled="0"/>
+              <a:tileRect/>
+            </a:gradFill>
+            <a:ln>
+              <a:noFill/>
+            </a:ln>
+          </p:spPr>
+          <p:style>
+            <a:lnRef idx="2">
+              <a:schemeClr val="accent1">
+                <a:shade val="15000"/>
+              </a:schemeClr>
+            </a:lnRef>
+            <a:fillRef idx="1">
+              <a:schemeClr val="accent1"/>
+            </a:fillRef>
+            <a:effectRef idx="0">
+              <a:schemeClr val="accent1"/>
+            </a:effectRef>
+            <a:fontRef idx="minor">
+              <a:schemeClr val="lt1"/>
+            </a:fontRef>
+          </p:style>
+          <p:txBody>
+            <a:bodyPr rtlCol="0" anchor="ctr"/>
+            <a:lstStyle/>
+            <a:p>
+              <a:pPr algn="ctr"/>
+              <a:endParaRPr kumimoji="1" lang="ja-JP" altLang="en-US"/>
+            </a:p>
+          </p:txBody>
+        </p:sp>
+        <p:sp>
+          <p:nvSpPr>
+            <p:cNvPr id="86" name="正方形/長方形 85">
+              <a:extLst>
+                <a:ext uri="{FF2B5EF4-FFF2-40B4-BE49-F238E27FC236}">
+                  <a16:creationId xmlns:a16="http://schemas.microsoft.com/office/drawing/2014/main" id="{458AD1E4-25DA-EBCE-2FA1-4FEDCC394230}"/>
+                </a:ext>
+              </a:extLst>
+            </p:cNvPr>
+            <p:cNvSpPr/>
+            <p:nvPr/>
+          </p:nvSpPr>
+          <p:spPr>
+            <a:xfrm>
+              <a:off x="4936461" y="1561137"/>
+              <a:ext cx="2801522" cy="2359997"/>
+            </a:xfrm>
+            <a:prstGeom prst="rect">
+              <a:avLst/>
+            </a:prstGeom>
+            <a:gradFill>
+              <a:gsLst>
+                <a:gs pos="46000">
+                  <a:schemeClr val="bg1"/>
+                </a:gs>
+                <a:gs pos="100000">
+                  <a:schemeClr val="bg1">
+                    <a:alpha val="0"/>
+                  </a:schemeClr>
+                </a:gs>
+              </a:gsLst>
+              <a:lin ang="10800000" scaled="0"/>
+            </a:gradFill>
+            <a:ln>
+              <a:noFill/>
+            </a:ln>
+          </p:spPr>
+          <p:style>
+            <a:lnRef idx="2">
+              <a:schemeClr val="accent1">
+                <a:shade val="15000"/>
+              </a:schemeClr>
+            </a:lnRef>
+            <a:fillRef idx="1">
+              <a:schemeClr val="accent1"/>
+            </a:fillRef>
+            <a:effectRef idx="0">
+              <a:schemeClr val="accent1"/>
+            </a:effectRef>
+            <a:fontRef idx="minor">
+              <a:schemeClr val="lt1"/>
+            </a:fontRef>
+          </p:style>
+          <p:txBody>
+            <a:bodyPr rtlCol="0" anchor="ctr"/>
+            <a:lstStyle/>
+            <a:p>
+              <a:pPr algn="ctr"/>
+              <a:endParaRPr kumimoji="1" lang="ja-JP" altLang="en-US"/>
+            </a:p>
+          </p:txBody>
+        </p:sp>
+      </p:grpSp>
+      <p:cxnSp>
+        <p:nvCxnSpPr>
+          <p:cNvPr id="80" name="直線矢印コネクタ 79">
+            <a:extLst>
+              <a:ext uri="{FF2B5EF4-FFF2-40B4-BE49-F238E27FC236}">
+                <a16:creationId xmlns:a16="http://schemas.microsoft.com/office/drawing/2014/main" id="{EF730AFC-65F2-BF19-61D7-4FAA1AC33FBB}"/>
+              </a:ext>
+            </a:extLst>
+          </p:cNvPr>
+          <p:cNvCxnSpPr>
+            <a:cxnSpLocks/>
+          </p:cNvCxnSpPr>
+          <p:nvPr/>
+        </p:nvCxnSpPr>
+        <p:spPr>
+          <a:xfrm>
+            <a:off x="3577381" y="2989158"/>
+            <a:ext cx="0" cy="678426"/>
+          </a:xfrm>
+          <a:prstGeom prst="straightConnector1">
+            <a:avLst/>
+          </a:prstGeom>
+          <a:ln w="22225">
+            <a:solidFill>
+              <a:srgbClr val="FF0000"/>
+            </a:solidFill>
+            <a:tailEnd type="triangle"/>
+          </a:ln>
+        </p:spPr>
+        <p:style>
+          <a:lnRef idx="1">
+            <a:schemeClr val="accent1"/>
+          </a:lnRef>
+          <a:fillRef idx="0">
+            <a:schemeClr val="accent1"/>
+          </a:fillRef>
+          <a:effectRef idx="0">
+            <a:schemeClr val="accent1"/>
+          </a:effectRef>
+          <a:fontRef idx="minor">
+            <a:schemeClr val="tx1"/>
+          </a:fontRef>
+        </p:style>
+      </p:cxnSp>
+      <p:cxnSp>
+        <p:nvCxnSpPr>
+          <p:cNvPr id="93" name="直線矢印コネクタ 92">
+            <a:extLst>
+              <a:ext uri="{FF2B5EF4-FFF2-40B4-BE49-F238E27FC236}">
+                <a16:creationId xmlns:a16="http://schemas.microsoft.com/office/drawing/2014/main" id="{6742C226-07B2-E108-EBCB-28CD6F8715D6}"/>
+              </a:ext>
+            </a:extLst>
+          </p:cNvPr>
+          <p:cNvCxnSpPr>
+            <a:cxnSpLocks/>
+          </p:cNvCxnSpPr>
+          <p:nvPr/>
+        </p:nvCxnSpPr>
+        <p:spPr>
+          <a:xfrm flipV="1">
+            <a:off x="3852000" y="2597061"/>
+            <a:ext cx="0" cy="203314"/>
+          </a:xfrm>
+          <a:prstGeom prst="straightConnector1">
+            <a:avLst/>
+          </a:prstGeom>
+          <a:ln w="22225">
+            <a:solidFill>
+              <a:srgbClr val="FF0000"/>
+            </a:solidFill>
+            <a:tailEnd type="triangle"/>
+          </a:ln>
+        </p:spPr>
+        <p:style>
+          <a:lnRef idx="1">
+            <a:schemeClr val="accent1"/>
+          </a:lnRef>
+          <a:fillRef idx="0">
+            <a:schemeClr val="accent1"/>
+          </a:fillRef>
+          <a:effectRef idx="0">
+            <a:schemeClr val="accent1"/>
+          </a:effectRef>
+          <a:fontRef idx="minor">
+            <a:schemeClr val="tx1"/>
+          </a:fontRef>
+        </p:style>
+      </p:cxnSp>
+      <p:cxnSp>
+        <p:nvCxnSpPr>
+          <p:cNvPr id="101" name="直線矢印コネクタ 100">
+            <a:extLst>
+              <a:ext uri="{FF2B5EF4-FFF2-40B4-BE49-F238E27FC236}">
+                <a16:creationId xmlns:a16="http://schemas.microsoft.com/office/drawing/2014/main" id="{0EFF3830-9276-15CB-DED7-14ED8E12567F}"/>
+              </a:ext>
+            </a:extLst>
+          </p:cNvPr>
+          <p:cNvCxnSpPr>
+            <a:cxnSpLocks/>
+          </p:cNvCxnSpPr>
+          <p:nvPr/>
+        </p:nvCxnSpPr>
+        <p:spPr>
+          <a:xfrm flipV="1">
+            <a:off x="1943735" y="3931716"/>
+            <a:ext cx="0" cy="180725"/>
+          </a:xfrm>
+          <a:prstGeom prst="straightConnector1">
+            <a:avLst/>
+          </a:prstGeom>
+          <a:ln w="22225">
+            <a:solidFill>
+              <a:srgbClr val="FF0000"/>
+            </a:solidFill>
+            <a:tailEnd type="triangle"/>
+          </a:ln>
+        </p:spPr>
+        <p:style>
+          <a:lnRef idx="1">
+            <a:schemeClr val="accent1"/>
+          </a:lnRef>
+          <a:fillRef idx="0">
+            <a:schemeClr val="accent1"/>
+          </a:fillRef>
+          <a:effectRef idx="0">
+            <a:schemeClr val="accent1"/>
+          </a:effectRef>
+          <a:fontRef idx="minor">
+            <a:schemeClr val="tx1"/>
+          </a:fontRef>
+        </p:style>
+      </p:cxnSp>
+      <p:sp>
+        <p:nvSpPr>
+          <p:cNvPr id="107" name="正方形/長方形 106">
+            <a:extLst>
+              <a:ext uri="{FF2B5EF4-FFF2-40B4-BE49-F238E27FC236}">
+                <a16:creationId xmlns:a16="http://schemas.microsoft.com/office/drawing/2014/main" id="{5E120907-B9D5-05A5-3236-A1C4125E3A60}"/>
+              </a:ext>
+            </a:extLst>
+          </p:cNvPr>
+          <p:cNvSpPr/>
+          <p:nvPr/>
+        </p:nvSpPr>
+        <p:spPr>
+          <a:xfrm rot="2430457">
+            <a:off x="3355405" y="1795755"/>
+            <a:ext cx="2285495" cy="1129213"/>
+          </a:xfrm>
+          <a:prstGeom prst="rect">
+            <a:avLst/>
+          </a:prstGeom>
+          <a:gradFill flip="none" rotWithShape="1">
+            <a:gsLst>
+              <a:gs pos="31000">
+                <a:schemeClr val="bg1"/>
+              </a:gs>
+              <a:gs pos="100000">
+                <a:schemeClr val="bg1">
+                  <a:alpha val="0"/>
+                </a:schemeClr>
+              </a:gs>
+            </a:gsLst>
+            <a:lin ang="5400000" scaled="0"/>
+            <a:tileRect/>
+          </a:gradFill>
+          <a:ln>
+            <a:noFill/>
+          </a:ln>
+        </p:spPr>
+        <p:style>
+          <a:lnRef idx="2">
+            <a:schemeClr val="accent1">
+              <a:shade val="15000"/>
+            </a:schemeClr>
+          </a:lnRef>
+          <a:fillRef idx="1">
+            <a:schemeClr val="accent1"/>
+          </a:fillRef>
+          <a:effectRef idx="0">
+            <a:schemeClr val="accent1"/>
+          </a:effectRef>
+          <a:fontRef idx="minor">
+            <a:schemeClr val="lt1"/>
+          </a:fontRef>
+        </p:style>
+        <p:txBody>
+          <a:bodyPr rtlCol="0" anchor="ctr"/>
+          <a:lstStyle/>
+          <a:p>
+            <a:pPr algn="ctr"/>
+            <a:endParaRPr kumimoji="1" lang="ja-JP" altLang="en-US"/>
+          </a:p>
+        </p:txBody>
+      </p:sp>
+      <p:sp>
+        <p:nvSpPr>
+          <p:cNvPr id="106" name="テキスト ボックス 105">
+            <a:extLst>
+              <a:ext uri="{FF2B5EF4-FFF2-40B4-BE49-F238E27FC236}">
+                <a16:creationId xmlns:a16="http://schemas.microsoft.com/office/drawing/2014/main" id="{789B086E-BB26-AF09-9BE1-6BE008DE1C5E}"/>
+              </a:ext>
+            </a:extLst>
+          </p:cNvPr>
+          <p:cNvSpPr txBox="1"/>
+          <p:nvPr/>
+        </p:nvSpPr>
+        <p:spPr>
+          <a:xfrm>
+            <a:off x="2756401" y="1138724"/>
+            <a:ext cx="6004134" cy="1154611"/>
+          </a:xfrm>
+          <a:prstGeom prst="rect">
+            <a:avLst/>
+          </a:prstGeom>
+          <a:noFill/>
+          <a:ln w="9525" cmpd="sng">
+            <a:noFill/>
+            <a:prstDash val="solid"/>
+            <a:round/>
+          </a:ln>
+          <a:effectLst/>
+        </p:spPr>
+        <p:txBody>
+          <a:bodyPr wrap="square" rtlCol="0" anchor="ctr" anchorCtr="1">
+            <a:spAutoFit/>
+          </a:bodyPr>
+          <a:lstStyle/>
+          <a:p>
+            <a:pPr algn="l"/>
+            <a:r>
+              <a:rPr kumimoji="1" lang="en-US" altLang="ja-JP" sz="1600" dirty="0">
+                <a:latin typeface="Hiragino Sans W0" panose="020B0400000000000000" pitchFamily="34" charset="-128"/>
+                <a:ea typeface="Hiragino Sans W0" panose="020B0400000000000000" pitchFamily="34" charset="-128"/>
+                <a:cs typeface="Consolas" panose="020B0609020204030204" pitchFamily="49" charset="0"/>
+              </a:rPr>
+              <a:t>- </a:t>
+            </a:r>
+            <a:r>
+              <a:rPr kumimoji="1" lang="ja-JP" altLang="en-US" sz="1600">
+                <a:latin typeface="Hiragino Sans W0" panose="020B0400000000000000" pitchFamily="34" charset="-128"/>
+                <a:ea typeface="Hiragino Sans W0" panose="020B0400000000000000" pitchFamily="34" charset="-128"/>
+                <a:cs typeface="Consolas" panose="020B0609020204030204" pitchFamily="49" charset="0"/>
+              </a:rPr>
+              <a:t>実測値と回帰直線の距離</a:t>
+            </a:r>
+            <a:r>
+              <a:rPr kumimoji="1" lang="en-US" altLang="ja-JP" sz="1600" dirty="0">
+                <a:latin typeface="Hiragino Sans W0" panose="020B0400000000000000" pitchFamily="34" charset="-128"/>
+                <a:ea typeface="Hiragino Sans W0" panose="020B0400000000000000" pitchFamily="34" charset="-128"/>
+                <a:cs typeface="Consolas" panose="020B0609020204030204" pitchFamily="49" charset="0"/>
+              </a:rPr>
+              <a:t>(</a:t>
+            </a:r>
+            <a:r>
+              <a:rPr kumimoji="1" lang="ja-JP" altLang="en-US" sz="1600">
+                <a:latin typeface="Hiragino Sans W0" panose="020B0400000000000000" pitchFamily="34" charset="-128"/>
+                <a:ea typeface="Hiragino Sans W0" panose="020B0400000000000000" pitchFamily="34" charset="-128"/>
+                <a:cs typeface="Consolas" panose="020B0609020204030204" pitchFamily="49" charset="0"/>
+              </a:rPr>
+              <a:t>誤差</a:t>
+            </a:r>
+            <a:r>
+              <a:rPr kumimoji="1" lang="en-US" altLang="ja-JP" sz="1600" dirty="0">
+                <a:latin typeface="Hiragino Sans W0" panose="020B0400000000000000" pitchFamily="34" charset="-128"/>
+                <a:ea typeface="Hiragino Sans W0" panose="020B0400000000000000" pitchFamily="34" charset="-128"/>
+                <a:cs typeface="Consolas" panose="020B0609020204030204" pitchFamily="49" charset="0"/>
+              </a:rPr>
+              <a:t>)</a:t>
+            </a:r>
+            <a:r>
+              <a:rPr kumimoji="1" lang="ja-JP" altLang="en-US" sz="1600">
+                <a:latin typeface="Hiragino Sans W0" panose="020B0400000000000000" pitchFamily="34" charset="-128"/>
+                <a:ea typeface="Hiragino Sans W0" panose="020B0400000000000000" pitchFamily="34" charset="-128"/>
+                <a:cs typeface="Consolas" panose="020B0609020204030204" pitchFamily="49" charset="0"/>
+              </a:rPr>
+              <a:t>には「</a:t>
+            </a:r>
+            <a:r>
+              <a:rPr lang="en-US" altLang="ja-JP" sz="1600" dirty="0">
+                <a:latin typeface="Hiragino Sans W0" panose="020B0400000000000000" pitchFamily="34" charset="-128"/>
+                <a:ea typeface="Hiragino Sans W0" panose="020B0400000000000000" pitchFamily="34" charset="-128"/>
+                <a:cs typeface="Consolas" panose="020B0609020204030204" pitchFamily="49" charset="0"/>
+              </a:rPr>
+              <a:t>+</a:t>
+            </a:r>
+            <a:r>
+              <a:rPr lang="ja-JP" altLang="en-US" sz="1600">
+                <a:latin typeface="Hiragino Sans W0" panose="020B0400000000000000" pitchFamily="34" charset="-128"/>
+                <a:ea typeface="Hiragino Sans W0" panose="020B0400000000000000" pitchFamily="34" charset="-128"/>
+                <a:cs typeface="Consolas" panose="020B0609020204030204" pitchFamily="49" charset="0"/>
+              </a:rPr>
+              <a:t>」と「</a:t>
+            </a:r>
+            <a:r>
+              <a:rPr lang="en-US" altLang="ja-JP" sz="1600" dirty="0">
+                <a:latin typeface="Hiragino Sans W0" panose="020B0400000000000000" pitchFamily="34" charset="-128"/>
+                <a:ea typeface="Hiragino Sans W0" panose="020B0400000000000000" pitchFamily="34" charset="-128"/>
+                <a:cs typeface="Consolas" panose="020B0609020204030204" pitchFamily="49" charset="0"/>
+              </a:rPr>
+              <a:t>-</a:t>
+            </a:r>
+            <a:r>
+              <a:rPr lang="ja-JP" altLang="en-US" sz="1600">
+                <a:latin typeface="Hiragino Sans W0" panose="020B0400000000000000" pitchFamily="34" charset="-128"/>
+                <a:ea typeface="Hiragino Sans W0" panose="020B0400000000000000" pitchFamily="34" charset="-128"/>
+                <a:cs typeface="Consolas" panose="020B0609020204030204" pitchFamily="49" charset="0"/>
+              </a:rPr>
+              <a:t>」がある</a:t>
+            </a:r>
+            <a:endParaRPr lang="en-US" altLang="ja-JP" sz="1600" dirty="0">
+              <a:latin typeface="Hiragino Sans W0" panose="020B0400000000000000" pitchFamily="34" charset="-128"/>
+              <a:ea typeface="Hiragino Sans W0" panose="020B0400000000000000" pitchFamily="34" charset="-128"/>
+              <a:cs typeface="Consolas" panose="020B0609020204030204" pitchFamily="49" charset="0"/>
+            </a:endParaRPr>
+          </a:p>
+          <a:p>
+            <a:pPr algn="l"/>
+            <a:r>
+              <a:rPr lang="en-US" altLang="ja-JP" sz="1600" dirty="0">
+                <a:latin typeface="Hiragino Sans W0" panose="020B0400000000000000" pitchFamily="34" charset="-128"/>
+                <a:ea typeface="Hiragino Sans W0" panose="020B0400000000000000" pitchFamily="34" charset="-128"/>
+                <a:cs typeface="Consolas" panose="020B0609020204030204" pitchFamily="49" charset="0"/>
+              </a:rPr>
+              <a:t>- </a:t>
+            </a:r>
+            <a:r>
+              <a:rPr lang="ja-JP" altLang="en-US" sz="1600">
+                <a:latin typeface="Hiragino Sans W0" panose="020B0400000000000000" pitchFamily="34" charset="-128"/>
+                <a:ea typeface="Hiragino Sans W0" panose="020B0400000000000000" pitchFamily="34" charset="-128"/>
+                <a:cs typeface="Consolas" panose="020B0609020204030204" pitchFamily="49" charset="0"/>
+              </a:rPr>
+              <a:t>単純に合計すると打ち消し合ってしまうため、</a:t>
+            </a:r>
+            <a:endParaRPr lang="en-US" altLang="ja-JP" sz="1600" dirty="0">
+              <a:latin typeface="Hiragino Sans W0" panose="020B0400000000000000" pitchFamily="34" charset="-128"/>
+              <a:ea typeface="Hiragino Sans W0" panose="020B0400000000000000" pitchFamily="34" charset="-128"/>
+              <a:cs typeface="Consolas" panose="020B0609020204030204" pitchFamily="49" charset="0"/>
+            </a:endParaRPr>
+          </a:p>
+          <a:p>
+            <a:pPr algn="l"/>
+            <a:r>
+              <a:rPr kumimoji="1" lang="en-US" altLang="ja-JP" sz="1600" dirty="0">
+                <a:latin typeface="Hiragino Sans W0" panose="020B0400000000000000" pitchFamily="34" charset="-128"/>
+                <a:ea typeface="Hiragino Sans W0" panose="020B0400000000000000" pitchFamily="34" charset="-128"/>
+                <a:cs typeface="Consolas" panose="020B0609020204030204" pitchFamily="49" charset="0"/>
+              </a:rPr>
+              <a:t>   </a:t>
+            </a:r>
+            <a:r>
+              <a:rPr kumimoji="1" lang="ja-JP" altLang="en-US" sz="1600">
+                <a:latin typeface="Hiragino Sans W0" panose="020B0400000000000000" pitchFamily="34" charset="-128"/>
+                <a:ea typeface="Hiragino Sans W0" panose="020B0400000000000000" pitchFamily="34" charset="-128"/>
+                <a:cs typeface="Consolas" panose="020B0609020204030204" pitchFamily="49" charset="0"/>
+              </a:rPr>
+              <a:t>それぞれの誤差</a:t>
+            </a:r>
+            <a:r>
+              <a:rPr lang="ja-JP" altLang="en-US" sz="1600">
+                <a:latin typeface="Hiragino Sans W0" panose="020B0400000000000000" pitchFamily="34" charset="-128"/>
+                <a:ea typeface="Hiragino Sans W0" panose="020B0400000000000000" pitchFamily="34" charset="-128"/>
+                <a:cs typeface="Consolas" panose="020B0609020204030204" pitchFamily="49" charset="0"/>
+              </a:rPr>
+              <a:t>を二乗して合計する</a:t>
+            </a:r>
+            <a:endParaRPr kumimoji="1" lang="en-US" altLang="ja-JP" sz="1600" dirty="0">
+              <a:latin typeface="Hiragino Sans W0" panose="020B0400000000000000" pitchFamily="34" charset="-128"/>
+              <a:ea typeface="Hiragino Sans W0" panose="020B0400000000000000" pitchFamily="34" charset="-128"/>
+              <a:cs typeface="Consolas" panose="020B0609020204030204" pitchFamily="49" charset="0"/>
+            </a:endParaRPr>
+          </a:p>
+          <a:p>
+            <a:pPr marL="285750" indent="-285750">
+              <a:lnSpc>
+                <a:spcPct val="150000"/>
+              </a:lnSpc>
+              <a:buClr>
+                <a:srgbClr val="FF0000"/>
+              </a:buClr>
+              <a:buSzPct val="90000"/>
+              <a:buFont typeface="Wingdings" pitchFamily="2" charset="2"/>
+              <a:buChar char="Ø"/>
+            </a:pPr>
+            <a:r>
+              <a:rPr lang="ja-JP" altLang="en-US" sz="1600">
+                <a:latin typeface="Hiragino Sans W3" panose="020B0400000000000000" pitchFamily="34" charset="-128"/>
+                <a:ea typeface="Hiragino Sans W3" panose="020B0400000000000000" pitchFamily="34" charset="-128"/>
+              </a:rPr>
+              <a:t>誤差</a:t>
+            </a:r>
+            <a:r>
+              <a:rPr lang="en-US" altLang="ja-JP" sz="1600" dirty="0">
+                <a:latin typeface="Hiragino Sans W3" panose="020B0400000000000000" pitchFamily="34" charset="-128"/>
+                <a:ea typeface="Hiragino Sans W3" panose="020B0400000000000000" pitchFamily="34" charset="-128"/>
+              </a:rPr>
+              <a:t>²</a:t>
+            </a:r>
+            <a:r>
+              <a:rPr lang="ja-JP" altLang="en-US" sz="1600">
+                <a:latin typeface="Hiragino Sans W3" panose="020B0400000000000000" pitchFamily="34" charset="-128"/>
+                <a:ea typeface="Hiragino Sans W3" panose="020B0400000000000000" pitchFamily="34" charset="-128"/>
+              </a:rPr>
+              <a:t>の合計が最も小さくなる直線を求める</a:t>
+            </a:r>
+          </a:p>
+        </p:txBody>
+      </p:sp>
+      <p:sp>
+        <p:nvSpPr>
+          <p:cNvPr id="121" name="テキスト ボックス 120">
+            <a:extLst>
+              <a:ext uri="{FF2B5EF4-FFF2-40B4-BE49-F238E27FC236}">
+                <a16:creationId xmlns:a16="http://schemas.microsoft.com/office/drawing/2014/main" id="{F084BF39-A280-ADD8-1DC4-F2CE97A290D6}"/>
+              </a:ext>
+            </a:extLst>
+          </p:cNvPr>
+          <p:cNvSpPr txBox="1"/>
+          <p:nvPr/>
+        </p:nvSpPr>
+        <p:spPr>
+          <a:xfrm>
+            <a:off x="4322306" y="2550340"/>
+            <a:ext cx="4541757" cy="461665"/>
+          </a:xfrm>
+          <a:prstGeom prst="rect">
+            <a:avLst/>
+          </a:prstGeom>
+          <a:noFill/>
+          <a:ln w="9525" cmpd="sng">
+            <a:noFill/>
+            <a:prstDash val="solid"/>
+            <a:round/>
+          </a:ln>
+          <a:effectLst/>
+        </p:spPr>
+        <p:txBody>
+          <a:bodyPr wrap="square" rtlCol="0" anchor="ctr" anchorCtr="1">
+            <a:spAutoFit/>
+            <a:scene3d>
+              <a:camera prst="perspectiveRelaxed" fov="0">
+                <a:rot lat="20400000" lon="0" rev="0"/>
+              </a:camera>
+              <a:lightRig rig="threePt" dir="t">
+                <a:rot lat="0" lon="0" rev="0"/>
+              </a:lightRig>
+            </a:scene3d>
+            <a:sp3d extrusionH="63500" prstMaterial="powder">
+              <a:bevelT w="82550" h="38100" prst="coolSlant"/>
+              <a:bevelB w="38100" h="38100" prst="slope"/>
+            </a:sp3d>
+          </a:bodyPr>
+          <a:lstStyle/>
+          <a:p>
+            <a:pPr algn="l"/>
+            <a:r>
+              <a:rPr lang="ja-JP" altLang="en-US" sz="2400" b="1">
+                <a:ln w="3175">
+                  <a:solidFill>
+                    <a:schemeClr val="accent1">
+                      <a:shade val="15000"/>
+                    </a:schemeClr>
+                  </a:solidFill>
+                </a:ln>
+                <a:gradFill>
+                  <a:gsLst>
+                    <a:gs pos="11000">
+                      <a:srgbClr val="FF1C1C"/>
+                    </a:gs>
+                    <a:gs pos="87000">
+                      <a:srgbClr val="002060"/>
+                    </a:gs>
+                    <a:gs pos="76000">
+                      <a:srgbClr val="0070C0"/>
+                    </a:gs>
+                    <a:gs pos="65986">
+                      <a:srgbClr val="00B0F0"/>
+                    </a:gs>
+                    <a:gs pos="55008">
+                      <a:srgbClr val="00B050"/>
+                    </a:gs>
+                    <a:gs pos="44000">
+                      <a:srgbClr val="92D050"/>
+                    </a:gs>
+                    <a:gs pos="32000">
+                      <a:srgbClr val="FFFF00"/>
+                    </a:gs>
+                    <a:gs pos="22036">
+                      <a:srgbClr val="FFC000"/>
+                    </a:gs>
+                    <a:gs pos="0">
+                      <a:srgbClr val="C00000"/>
+                    </a:gs>
+                    <a:gs pos="100000">
+                      <a:srgbClr val="7030A0"/>
+                    </a:gs>
+                  </a:gsLst>
+                  <a:lin ang="5400000" scaled="0"/>
+                </a:gradFill>
+                <a:latin typeface="Hiragino Sans W9" panose="020B0400000000000000" pitchFamily="34" charset="-128"/>
+                <a:ea typeface="Hiragino Sans W9" panose="020B0400000000000000" pitchFamily="34" charset="-128"/>
+                <a:cs typeface="Consolas" panose="020B0609020204030204" pitchFamily="49" charset="0"/>
+              </a:rPr>
+              <a:t>いい感じの直線を引くならコレ</a:t>
+            </a:r>
+            <a:endParaRPr kumimoji="1" lang="ja-JP" altLang="en-US" sz="2400" b="1" dirty="0">
+              <a:ln w="3175">
+                <a:solidFill>
+                  <a:schemeClr val="accent1">
+                    <a:shade val="15000"/>
+                  </a:schemeClr>
+                </a:solidFill>
+              </a:ln>
+              <a:gradFill>
+                <a:gsLst>
+                  <a:gs pos="11000">
+                    <a:srgbClr val="FF1C1C"/>
+                  </a:gs>
+                  <a:gs pos="87000">
+                    <a:srgbClr val="002060"/>
+                  </a:gs>
+                  <a:gs pos="76000">
+                    <a:srgbClr val="0070C0"/>
+                  </a:gs>
+                  <a:gs pos="65986">
+                    <a:srgbClr val="00B0F0"/>
+                  </a:gs>
+                  <a:gs pos="55008">
+                    <a:srgbClr val="00B050"/>
+                  </a:gs>
+                  <a:gs pos="44000">
+                    <a:srgbClr val="92D050"/>
+                  </a:gs>
+                  <a:gs pos="32000">
+                    <a:srgbClr val="FFFF00"/>
+                  </a:gs>
+                  <a:gs pos="22036">
+                    <a:srgbClr val="FFC000"/>
+                  </a:gs>
+                  <a:gs pos="0">
+                    <a:srgbClr val="C00000"/>
+                  </a:gs>
+                  <a:gs pos="100000">
+                    <a:srgbClr val="7030A0"/>
+                  </a:gs>
+                </a:gsLst>
+                <a:lin ang="5400000" scaled="0"/>
+              </a:gradFill>
+              <a:latin typeface="Hiragino Sans W9" panose="020B0400000000000000" pitchFamily="34" charset="-128"/>
+              <a:ea typeface="Hiragino Sans W9" panose="020B0400000000000000" pitchFamily="34" charset="-128"/>
+              <a:cs typeface="Consolas" panose="020B0609020204030204" pitchFamily="49" charset="0"/>
+            </a:endParaRPr>
+          </a:p>
+        </p:txBody>
+      </p:sp>
+      <p:sp>
+        <p:nvSpPr>
+          <p:cNvPr id="123" name="テキスト ボックス 122">
+            <a:extLst>
+              <a:ext uri="{FF2B5EF4-FFF2-40B4-BE49-F238E27FC236}">
+                <a16:creationId xmlns:a16="http://schemas.microsoft.com/office/drawing/2014/main" id="{19DBA180-C419-4773-1184-8236CDD40DF3}"/>
+              </a:ext>
+            </a:extLst>
+          </p:cNvPr>
+          <p:cNvSpPr txBox="1"/>
+          <p:nvPr/>
+        </p:nvSpPr>
+        <p:spPr>
+          <a:xfrm>
+            <a:off x="4124179" y="2928998"/>
+            <a:ext cx="4575291" cy="861774"/>
+          </a:xfrm>
+          <a:prstGeom prst="rect">
+            <a:avLst/>
+          </a:prstGeom>
+          <a:solidFill>
+            <a:schemeClr val="bg1"/>
+          </a:solidFill>
+          <a:ln w="9525" cmpd="sng">
+            <a:noFill/>
+            <a:prstDash val="solid"/>
+            <a:round/>
+          </a:ln>
+          <a:effectLst>
+            <a:softEdge rad="0"/>
+          </a:effectLst>
+          <a:scene3d>
+            <a:camera prst="perspectiveRelaxed" fov="4500000">
+              <a:rot lat="19800000" lon="0" rev="0"/>
+            </a:camera>
+            <a:lightRig rig="threePt" dir="t"/>
+          </a:scene3d>
+          <a:sp3d/>
+        </p:spPr>
+        <p:txBody>
+          <a:bodyPr wrap="none" rtlCol="0" anchor="ctr" anchorCtr="1">
+            <a:spAutoFit/>
+          </a:bodyPr>
+          <a:lstStyle/>
+          <a:p>
+            <a:r>
+              <a:rPr lang="en" altLang="ja-JP" dirty="0">
+                <a:solidFill>
+                  <a:schemeClr val="tx1">
+                    <a:alpha val="32000"/>
+                  </a:schemeClr>
+                </a:solidFill>
+                <a:latin typeface="Consolas" panose="020B0609020204030204" pitchFamily="49" charset="0"/>
+                <a:ea typeface="Hiragino Sans W0" panose="020B0400000000000000" pitchFamily="34" charset="-128"/>
+                <a:cs typeface="Consolas" panose="020B0609020204030204" pitchFamily="49" charset="0"/>
+              </a:rPr>
+              <a:t> </a:t>
+            </a:r>
+            <a:r>
+              <a:rPr lang="en" altLang="ja-JP" sz="1600" dirty="0">
+                <a:solidFill>
+                  <a:schemeClr val="tx1">
+                    <a:alpha val="32000"/>
+                  </a:schemeClr>
+                </a:solidFill>
+                <a:latin typeface="Consolas" panose="020B0609020204030204" pitchFamily="49" charset="0"/>
+                <a:ea typeface="Hiragino Sans W0" panose="020B0400000000000000" pitchFamily="34" charset="-128"/>
+                <a:cs typeface="Consolas" panose="020B0609020204030204" pitchFamily="49" charset="0"/>
+              </a:rPr>
+              <a:t>a = (n * </a:t>
+            </a:r>
+            <a:r>
+              <a:rPr lang="el-GR" altLang="ja-JP" sz="1600" dirty="0">
+                <a:solidFill>
+                  <a:schemeClr val="tx1">
+                    <a:alpha val="32000"/>
+                  </a:schemeClr>
+                </a:solidFill>
+                <a:latin typeface="Consolas" panose="020B0609020204030204" pitchFamily="49" charset="0"/>
+                <a:ea typeface="Hiragino Sans W0" panose="020B0400000000000000" pitchFamily="34" charset="-128"/>
+                <a:cs typeface="Consolas" panose="020B0609020204030204" pitchFamily="49" charset="0"/>
+              </a:rPr>
+              <a:t>Σ(</a:t>
+            </a:r>
+            <a:r>
+              <a:rPr lang="en" altLang="ja-JP" sz="1600" dirty="0">
+                <a:solidFill>
+                  <a:schemeClr val="tx1">
+                    <a:alpha val="32000"/>
+                  </a:schemeClr>
+                </a:solidFill>
+                <a:latin typeface="Consolas" panose="020B0609020204030204" pitchFamily="49" charset="0"/>
+                <a:ea typeface="Hiragino Sans W0" panose="020B0400000000000000" pitchFamily="34" charset="-128"/>
+                <a:cs typeface="Consolas" panose="020B0609020204030204" pitchFamily="49" charset="0"/>
+              </a:rPr>
+              <a:t>xᵢ * yᵢ) - </a:t>
+            </a:r>
+            <a:r>
+              <a:rPr lang="el-GR" altLang="ja-JP" sz="1600" dirty="0">
+                <a:solidFill>
+                  <a:schemeClr val="tx1">
+                    <a:alpha val="32000"/>
+                  </a:schemeClr>
+                </a:solidFill>
+                <a:latin typeface="Consolas" panose="020B0609020204030204" pitchFamily="49" charset="0"/>
+                <a:ea typeface="Hiragino Sans W0" panose="020B0400000000000000" pitchFamily="34" charset="-128"/>
+                <a:cs typeface="Consolas" panose="020B0609020204030204" pitchFamily="49" charset="0"/>
+              </a:rPr>
+              <a:t>Σ(</a:t>
+            </a:r>
+            <a:r>
+              <a:rPr lang="en" altLang="ja-JP" sz="1600" dirty="0">
+                <a:solidFill>
+                  <a:schemeClr val="tx1">
+                    <a:alpha val="32000"/>
+                  </a:schemeClr>
+                </a:solidFill>
+                <a:latin typeface="Consolas" panose="020B0609020204030204" pitchFamily="49" charset="0"/>
+                <a:ea typeface="Hiragino Sans W0" panose="020B0400000000000000" pitchFamily="34" charset="-128"/>
+                <a:cs typeface="Consolas" panose="020B0609020204030204" pitchFamily="49" charset="0"/>
+              </a:rPr>
+              <a:t>xᵢ) * </a:t>
+            </a:r>
+            <a:r>
+              <a:rPr lang="el-GR" altLang="ja-JP" sz="1600" dirty="0">
+                <a:solidFill>
+                  <a:schemeClr val="tx1">
+                    <a:alpha val="32000"/>
+                  </a:schemeClr>
+                </a:solidFill>
+                <a:latin typeface="Consolas" panose="020B0609020204030204" pitchFamily="49" charset="0"/>
+                <a:ea typeface="Hiragino Sans W0" panose="020B0400000000000000" pitchFamily="34" charset="-128"/>
+                <a:cs typeface="Consolas" panose="020B0609020204030204" pitchFamily="49" charset="0"/>
+              </a:rPr>
+              <a:t>Σ(</a:t>
+            </a:r>
+            <a:r>
+              <a:rPr lang="en" altLang="ja-JP" sz="1600" dirty="0">
+                <a:solidFill>
+                  <a:schemeClr val="tx1">
+                    <a:alpha val="32000"/>
+                  </a:schemeClr>
+                </a:solidFill>
+                <a:latin typeface="Consolas" panose="020B0609020204030204" pitchFamily="49" charset="0"/>
+                <a:ea typeface="Hiragino Sans W0" panose="020B0400000000000000" pitchFamily="34" charset="-128"/>
+                <a:cs typeface="Consolas" panose="020B0609020204030204" pitchFamily="49" charset="0"/>
+              </a:rPr>
+              <a:t>yᵢ)) /</a:t>
+            </a:r>
+          </a:p>
+          <a:p>
+            <a:r>
+              <a:rPr lang="en" altLang="ja-JP" sz="1600" dirty="0">
+                <a:solidFill>
+                  <a:schemeClr val="tx1">
+                    <a:alpha val="32000"/>
+                  </a:schemeClr>
+                </a:solidFill>
+                <a:latin typeface="Consolas" panose="020B0609020204030204" pitchFamily="49" charset="0"/>
+                <a:ea typeface="Hiragino Sans W0" panose="020B0400000000000000" pitchFamily="34" charset="-128"/>
+                <a:cs typeface="Consolas" panose="020B0609020204030204" pitchFamily="49" charset="0"/>
+              </a:rPr>
+              <a:t>	 (n * </a:t>
+            </a:r>
+            <a:r>
+              <a:rPr lang="el-GR" altLang="ja-JP" sz="1600" dirty="0">
+                <a:solidFill>
+                  <a:schemeClr val="tx1">
+                    <a:alpha val="32000"/>
+                  </a:schemeClr>
+                </a:solidFill>
+                <a:latin typeface="Consolas" panose="020B0609020204030204" pitchFamily="49" charset="0"/>
+                <a:ea typeface="Hiragino Sans W0" panose="020B0400000000000000" pitchFamily="34" charset="-128"/>
+                <a:cs typeface="Consolas" panose="020B0609020204030204" pitchFamily="49" charset="0"/>
+              </a:rPr>
+              <a:t>Σ(</a:t>
+            </a:r>
+            <a:r>
+              <a:rPr lang="en" altLang="ja-JP" sz="1600" dirty="0">
+                <a:solidFill>
+                  <a:schemeClr val="tx1">
+                    <a:alpha val="32000"/>
+                  </a:schemeClr>
+                </a:solidFill>
+                <a:latin typeface="Consolas" panose="020B0609020204030204" pitchFamily="49" charset="0"/>
+                <a:ea typeface="Hiragino Sans W0" panose="020B0400000000000000" pitchFamily="34" charset="-128"/>
+                <a:cs typeface="Consolas" panose="020B0609020204030204" pitchFamily="49" charset="0"/>
+              </a:rPr>
+              <a:t>xᵢ²) - (</a:t>
+            </a:r>
+            <a:r>
+              <a:rPr lang="el-GR" altLang="ja-JP" sz="1600" dirty="0">
+                <a:solidFill>
+                  <a:schemeClr val="tx1">
+                    <a:alpha val="32000"/>
+                  </a:schemeClr>
+                </a:solidFill>
+                <a:latin typeface="Consolas" panose="020B0609020204030204" pitchFamily="49" charset="0"/>
+                <a:ea typeface="Hiragino Sans W0" panose="020B0400000000000000" pitchFamily="34" charset="-128"/>
+                <a:cs typeface="Consolas" panose="020B0609020204030204" pitchFamily="49" charset="0"/>
+              </a:rPr>
+              <a:t>Σ(</a:t>
+            </a:r>
+            <a:r>
+              <a:rPr lang="en" altLang="ja-JP" sz="1600" dirty="0">
+                <a:solidFill>
+                  <a:schemeClr val="tx1">
+                    <a:alpha val="32000"/>
+                  </a:schemeClr>
+                </a:solidFill>
+                <a:latin typeface="Consolas" panose="020B0609020204030204" pitchFamily="49" charset="0"/>
+                <a:ea typeface="Hiragino Sans W0" panose="020B0400000000000000" pitchFamily="34" charset="-128"/>
+                <a:cs typeface="Consolas" panose="020B0609020204030204" pitchFamily="49" charset="0"/>
+              </a:rPr>
+              <a:t>xᵢ))²)</a:t>
+            </a:r>
+          </a:p>
+          <a:p>
+            <a:r>
+              <a:rPr lang="en" altLang="ja-JP" sz="1600" dirty="0">
+                <a:solidFill>
+                  <a:schemeClr val="tx1">
+                    <a:alpha val="32000"/>
+                  </a:schemeClr>
+                </a:solidFill>
+                <a:latin typeface="Consolas" panose="020B0609020204030204" pitchFamily="49" charset="0"/>
+                <a:ea typeface="Hiragino Sans W0" panose="020B0400000000000000" pitchFamily="34" charset="-128"/>
+                <a:cs typeface="Consolas" panose="020B0609020204030204" pitchFamily="49" charset="0"/>
+              </a:rPr>
+              <a:t> b = (</a:t>
+            </a:r>
+            <a:r>
+              <a:rPr lang="el-GR" altLang="ja-JP" sz="1600" dirty="0">
+                <a:solidFill>
+                  <a:schemeClr val="tx1">
+                    <a:alpha val="32000"/>
+                  </a:schemeClr>
+                </a:solidFill>
+                <a:latin typeface="Consolas" panose="020B0609020204030204" pitchFamily="49" charset="0"/>
+                <a:ea typeface="Hiragino Sans W0" panose="020B0400000000000000" pitchFamily="34" charset="-128"/>
+                <a:cs typeface="Consolas" panose="020B0609020204030204" pitchFamily="49" charset="0"/>
+              </a:rPr>
+              <a:t>Σ(</a:t>
+            </a:r>
+            <a:r>
+              <a:rPr lang="en" altLang="ja-JP" sz="1600" dirty="0">
+                <a:solidFill>
+                  <a:schemeClr val="tx1">
+                    <a:alpha val="32000"/>
+                  </a:schemeClr>
+                </a:solidFill>
+                <a:latin typeface="Consolas" panose="020B0609020204030204" pitchFamily="49" charset="0"/>
+                <a:ea typeface="Hiragino Sans W0" panose="020B0400000000000000" pitchFamily="34" charset="-128"/>
+                <a:cs typeface="Consolas" panose="020B0609020204030204" pitchFamily="49" charset="0"/>
+              </a:rPr>
+              <a:t>yᵢ) - a * </a:t>
+            </a:r>
+            <a:r>
+              <a:rPr lang="el-GR" altLang="ja-JP" sz="1600" dirty="0">
+                <a:solidFill>
+                  <a:schemeClr val="tx1">
+                    <a:alpha val="32000"/>
+                  </a:schemeClr>
+                </a:solidFill>
+                <a:latin typeface="Consolas" panose="020B0609020204030204" pitchFamily="49" charset="0"/>
+                <a:ea typeface="Hiragino Sans W0" panose="020B0400000000000000" pitchFamily="34" charset="-128"/>
+                <a:cs typeface="Consolas" panose="020B0609020204030204" pitchFamily="49" charset="0"/>
+              </a:rPr>
+              <a:t>Σ(</a:t>
+            </a:r>
+            <a:r>
+              <a:rPr lang="en" altLang="ja-JP" sz="1600" dirty="0">
+                <a:solidFill>
+                  <a:schemeClr val="tx1">
+                    <a:alpha val="32000"/>
+                  </a:schemeClr>
+                </a:solidFill>
+                <a:latin typeface="Consolas" panose="020B0609020204030204" pitchFamily="49" charset="0"/>
+                <a:ea typeface="Hiragino Sans W0" panose="020B0400000000000000" pitchFamily="34" charset="-128"/>
+                <a:cs typeface="Consolas" panose="020B0609020204030204" pitchFamily="49" charset="0"/>
+              </a:rPr>
+              <a:t>xᵢ)) / n</a:t>
+            </a:r>
+            <a:endParaRPr kumimoji="1" lang="ja-JP" altLang="en-US" sz="1600" dirty="0">
+              <a:solidFill>
+                <a:schemeClr val="tx1">
+                  <a:alpha val="32000"/>
+                </a:schemeClr>
+              </a:solidFill>
+              <a:latin typeface="Consolas" panose="020B0609020204030204" pitchFamily="49" charset="0"/>
+              <a:ea typeface="Hiragino Sans W0" panose="020B0400000000000000" pitchFamily="34" charset="-128"/>
+              <a:cs typeface="Consolas" panose="020B0609020204030204" pitchFamily="49" charset="0"/>
+            </a:endParaRPr>
+          </a:p>
+        </p:txBody>
+      </p:sp>
+      <p:sp>
+        <p:nvSpPr>
+          <p:cNvPr id="122" name="テキスト ボックス 121">
+            <a:extLst>
+              <a:ext uri="{FF2B5EF4-FFF2-40B4-BE49-F238E27FC236}">
+                <a16:creationId xmlns:a16="http://schemas.microsoft.com/office/drawing/2014/main" id="{AA77391C-2DC3-5FEE-4E30-1B67103316DF}"/>
+              </a:ext>
+            </a:extLst>
+          </p:cNvPr>
+          <p:cNvSpPr txBox="1"/>
+          <p:nvPr/>
+        </p:nvSpPr>
+        <p:spPr>
+          <a:xfrm>
+            <a:off x="5969960" y="2987114"/>
+            <a:ext cx="930087" cy="817796"/>
+          </a:xfrm>
+          <a:prstGeom prst="rect">
+            <a:avLst/>
+          </a:prstGeom>
+          <a:noFill/>
+          <a:ln w="9525" cmpd="sng">
+            <a:noFill/>
+            <a:prstDash val="solid"/>
+            <a:round/>
+          </a:ln>
+          <a:effectLst/>
+        </p:spPr>
+        <p:txBody>
+          <a:bodyPr wrap="none" rtlCol="0" anchor="ctr" anchorCtr="1">
+            <a:normAutofit/>
+          </a:bodyPr>
+          <a:lstStyle/>
+          <a:p>
+            <a:pPr algn="l"/>
+            <a:r>
+              <a:rPr kumimoji="1" lang="ja-JP" altLang="en-US" sz="3200">
+                <a:latin typeface="Consolas" panose="020B0609020204030204" pitchFamily="49" charset="0"/>
+                <a:ea typeface="Hiragino Sans W0" panose="020B0400000000000000" pitchFamily="34" charset="-128"/>
+                <a:cs typeface="Consolas" panose="020B0609020204030204" pitchFamily="49" charset="0"/>
+              </a:rPr>
+              <a:t>😇</a:t>
+            </a:r>
+            <a:endParaRPr kumimoji="1" lang="ja-JP" altLang="en-US" sz="3200" dirty="0">
+              <a:latin typeface="Consolas" panose="020B0609020204030204" pitchFamily="49" charset="0"/>
+              <a:ea typeface="Hiragino Sans W0" panose="020B0400000000000000" pitchFamily="34" charset="-128"/>
+              <a:cs typeface="Consolas" panose="020B0609020204030204" pitchFamily="49" charset="0"/>
+            </a:endParaRPr>
+          </a:p>
+        </p:txBody>
+      </p:sp>
+    </p:spTree>
+    <p:extLst>
+      <p:ext uri="{BB962C8B-B14F-4D97-AF65-F5344CB8AC3E}">
+        <p14:creationId xmlns:p14="http://schemas.microsoft.com/office/powerpoint/2010/main" val="3870341926"/>
+      </p:ext>
+    </p:extLst>
+  </p:cSld>
+  <p:clrMapOvr>
+    <a:masterClrMapping/>
+  </p:clrMapOvr>
+</p:sld>
+</file>
+
+<file path=ppt/slides/slide5.xml><?xml version="1.0" encoding="utf-8"?>
+<p:sld xmlns:a="http://schemas.openxmlformats.org/drawingml/2006/main" xmlns:r="http://schemas.openxmlformats.org/officeDocument/2006/relationships" xmlns:p="http://schemas.openxmlformats.org/presentationml/2006/main">
+  <p:cSld>
+    <p:spTree>
+      <p:nvGrpSpPr>
+        <p:cNvPr id="1" name=""/>
+        <p:cNvGrpSpPr/>
+        <p:nvPr/>
+      </p:nvGrpSpPr>
+      <p:grpSpPr>
+        <a:xfrm>
+          <a:off x="0" y="0"/>
+          <a:ext cx="0" cy="0"/>
+          <a:chOff x="0" y="0"/>
+          <a:chExt cx="0" cy="0"/>
+        </a:xfrm>
+      </p:grpSpPr>
+      <p:sp>
+        <p:nvSpPr>
+          <p:cNvPr id="2" name="TextBox 1"/>
+          <p:cNvSpPr txBox="1">
+            <a:spLocks noGrp="1"/>
+          </p:cNvSpPr>
+          <p:nvPr>
+            <p:ph type="title" idx="4294967295"/>
+          </p:nvPr>
+        </p:nvSpPr>
+        <p:spPr>
+          <a:xfrm>
+            <a:off x="282282" y="174157"/>
+            <a:ext cx="5295014" cy="461665"/>
+          </a:xfrm>
+          <a:prstGeom prst="rect">
+            <a:avLst/>
+          </a:prstGeom>
+          <a:noFill/>
+          <a:ln>
+            <a:noFill/>
+            <a:prstDash/>
+          </a:ln>
+          <a:effectLst/>
+        </p:spPr>
+        <p:txBody>
+          <a:bodyPr rot="0" spcFirstLastPara="0" vertOverflow="overflow" horzOverflow="overflow" vert="horz" wrap="square" lIns="91440" tIns="45720" rIns="91440" bIns="45720" numCol="1" spcCol="0" rtlCol="0" fromWordArt="0" anchor="ctr" anchorCtr="1" forceAA="0" compatLnSpc="1">
+            <a:prstTxWarp prst="textNoShape">
+              <a:avLst/>
+            </a:prstTxWarp>
+            <a:spAutoFit/>
+          </a:bodyPr>
+          <a:lstStyle/>
+          <a:p>
+            <a:pPr marL="0" marR="0" lvl="0" indent="0" algn="l" defTabSz="914400" rtl="0" eaLnBrk="1" fontAlgn="auto" latinLnBrk="0" hangingPunct="1">
+              <a:lnSpc>
+                <a:spcPct val="100000"/>
+              </a:lnSpc>
+              <a:spcBef>
+                <a:spcPts val="0"/>
+              </a:spcBef>
+              <a:spcAft>
+                <a:spcPts val="0"/>
+              </a:spcAft>
+              <a:buClrTx/>
+              <a:buSzTx/>
+              <a:buFontTx/>
+              <a:buNone/>
+              <a:tabLst/>
+              <a:defRPr/>
+            </a:pPr>
+            <a:r>
+              <a:rPr kumimoji="1" lang="ja-JP" altLang="en-US" sz="2400" b="0" i="0" u="none" strike="noStrike" kern="1200" cap="none" spc="0" normalizeH="0" baseline="0" noProof="0">
+                <a:ln>
+                  <a:noFill/>
+                </a:ln>
+                <a:solidFill>
+                  <a:schemeClr val="tx1"/>
+                </a:solidFill>
+                <a:effectLst/>
+                <a:uLnTx/>
+                <a:uFillTx/>
+                <a:latin typeface="Hiragino Sans W4" panose="020B0400000000000000" pitchFamily="34" charset="-128"/>
+                <a:ea typeface="Hiragino Sans W4" panose="020B0400000000000000" pitchFamily="34" charset="-128"/>
+                <a:cs typeface="+mn-cs"/>
+              </a:rPr>
+              <a:t>線形回帰で得られた数式とその意味</a:t>
+            </a:r>
+            <a:endParaRPr kumimoji="1" lang="ja-JP" altLang="en-US" sz="2400" b="0" i="0" u="none" strike="noStrike" kern="1200" cap="none" spc="0" normalizeH="0" baseline="0" noProof="0" dirty="0">
+              <a:ln>
+                <a:noFill/>
+              </a:ln>
+              <a:solidFill>
+                <a:schemeClr val="tx1"/>
+              </a:solidFill>
+              <a:effectLst/>
+              <a:uLnTx/>
+              <a:uFillTx/>
+              <a:latin typeface="Hiragino Sans W4" panose="020B0400000000000000" pitchFamily="34" charset="-128"/>
+              <a:ea typeface="Hiragino Sans W4" panose="020B0400000000000000" pitchFamily="34" charset="-128"/>
+              <a:cs typeface="+mn-cs"/>
+            </a:endParaRPr>
+          </a:p>
+        </p:txBody>
+      </p:sp>
+      <p:sp>
+        <p:nvSpPr>
+          <p:cNvPr id="6" name="正方形/長方形 5">
+            <a:extLst>
+              <a:ext uri="{FF2B5EF4-FFF2-40B4-BE49-F238E27FC236}">
+                <a16:creationId xmlns:a16="http://schemas.microsoft.com/office/drawing/2014/main" id="{2111BE10-4B3B-9815-6F31-56B21305A229}"/>
+              </a:ext>
+            </a:extLst>
+          </p:cNvPr>
+          <p:cNvSpPr/>
+          <p:nvPr/>
+        </p:nvSpPr>
+        <p:spPr>
+          <a:xfrm>
+            <a:off x="297712" y="220324"/>
+            <a:ext cx="45719" cy="369332"/>
+          </a:xfrm>
+          <a:prstGeom prst="rect">
+            <a:avLst/>
+          </a:prstGeom>
+          <a:solidFill>
+            <a:schemeClr val="tx2">
+              <a:alpha val="65000"/>
+            </a:schemeClr>
+          </a:solidFill>
+          <a:ln>
+            <a:noFill/>
+          </a:ln>
+        </p:spPr>
+        <p:style>
+          <a:lnRef idx="2">
+            <a:schemeClr val="accent1">
+              <a:shade val="15000"/>
+            </a:schemeClr>
+          </a:lnRef>
+          <a:fillRef idx="1">
+            <a:schemeClr val="accent1"/>
+          </a:fillRef>
+          <a:effectRef idx="0">
+            <a:schemeClr val="accent1"/>
+          </a:effectRef>
+          <a:fontRef idx="minor">
+            <a:schemeClr val="lt1"/>
+          </a:fontRef>
+        </p:style>
+        <p:txBody>
+          <a:bodyPr rtlCol="0" anchor="ctr"/>
+          <a:lstStyle/>
+          <a:p>
+            <a:pPr algn="ctr"/>
+            <a:endParaRPr kumimoji="1" lang="ja-JP" altLang="en-US"/>
+          </a:p>
+        </p:txBody>
+      </p:sp>
+      <p:sp>
+        <p:nvSpPr>
           <p:cNvPr id="7" name="テキスト ボックス 6">
             <a:extLst>
               <a:ext uri="{FF2B5EF4-FFF2-40B4-BE49-F238E27FC236}">
@@ -5679,7 +7460,7 @@
         <p:spPr>
           <a:xfrm>
             <a:off x="282282" y="5392458"/>
-            <a:ext cx="8228535" cy="1323439"/>
+            <a:ext cx="8443337" cy="1323439"/>
           </a:xfrm>
           <a:prstGeom prst="rect">
             <a:avLst/>
@@ -5694,43 +7475,43 @@
           <a:p>
             <a:r>
               <a:rPr lang="en" altLang="ja-JP" sz="1600" dirty="0">
-                <a:latin typeface="Hiragino Sans W0" panose="020B0400000000000000" pitchFamily="34" charset="-128"/>
-                <a:ea typeface="Hiragino Sans W0" panose="020B0400000000000000" pitchFamily="34" charset="-128"/>
+                <a:latin typeface="Hiragino Sans W1" panose="020B0400000000000000" pitchFamily="34" charset="-128"/>
+                <a:ea typeface="Hiragino Sans W1" panose="020B0400000000000000" pitchFamily="34" charset="-128"/>
               </a:rPr>
               <a:t>- a</a:t>
             </a:r>
             <a:r>
               <a:rPr lang="ja-JP" altLang="en-US" sz="1600">
-                <a:latin typeface="Hiragino Sans W0" panose="020B0400000000000000" pitchFamily="34" charset="-128"/>
-                <a:ea typeface="Hiragino Sans W0" panose="020B0400000000000000" pitchFamily="34" charset="-128"/>
+                <a:latin typeface="Hiragino Sans W1" panose="020B0400000000000000" pitchFamily="34" charset="-128"/>
+                <a:ea typeface="Hiragino Sans W1" panose="020B0400000000000000" pitchFamily="34" charset="-128"/>
               </a:rPr>
               <a:t>と</a:t>
             </a:r>
             <a:r>
               <a:rPr lang="en" altLang="ja-JP" sz="1600" dirty="0">
-                <a:latin typeface="Hiragino Sans W0" panose="020B0400000000000000" pitchFamily="34" charset="-128"/>
-                <a:ea typeface="Hiragino Sans W0" panose="020B0400000000000000" pitchFamily="34" charset="-128"/>
+                <a:latin typeface="Hiragino Sans W1" panose="020B0400000000000000" pitchFamily="34" charset="-128"/>
+                <a:ea typeface="Hiragino Sans W1" panose="020B0400000000000000" pitchFamily="34" charset="-128"/>
               </a:rPr>
               <a:t>b</a:t>
             </a:r>
             <a:r>
               <a:rPr lang="ja-JP" altLang="en-US" sz="1600">
-                <a:latin typeface="Hiragino Sans W0" panose="020B0400000000000000" pitchFamily="34" charset="-128"/>
-                <a:ea typeface="Hiragino Sans W0" panose="020B0400000000000000" pitchFamily="34" charset="-128"/>
+                <a:latin typeface="Hiragino Sans W1" panose="020B0400000000000000" pitchFamily="34" charset="-128"/>
+                <a:ea typeface="Hiragino Sans W1" panose="020B0400000000000000" pitchFamily="34" charset="-128"/>
               </a:rPr>
               <a:t>は「</a:t>
             </a:r>
             <a:r>
               <a:rPr lang="en-US" altLang="ja-JP" sz="1600" dirty="0">
-                <a:latin typeface="Hiragino Sans W0" panose="020B0400000000000000" pitchFamily="34" charset="-128"/>
-                <a:ea typeface="Hiragino Sans W0" panose="020B0400000000000000" pitchFamily="34" charset="-128"/>
+                <a:latin typeface="Hiragino Sans W1" panose="020B0400000000000000" pitchFamily="34" charset="-128"/>
+                <a:ea typeface="Hiragino Sans W1" panose="020B0400000000000000" pitchFamily="34" charset="-128"/>
               </a:rPr>
               <a:t>1</a:t>
             </a:r>
             <a:r>
               <a:rPr lang="ja-JP" altLang="en-US" sz="1600">
-                <a:latin typeface="Hiragino Sans W0" panose="020B0400000000000000" pitchFamily="34" charset="-128"/>
-                <a:ea typeface="Hiragino Sans W0" panose="020B0400000000000000" pitchFamily="34" charset="-128"/>
+                <a:latin typeface="Hiragino Sans W1" panose="020B0400000000000000" pitchFamily="34" charset="-128"/>
+                <a:ea typeface="Hiragino Sans W1" panose="020B0400000000000000" pitchFamily="34" charset="-128"/>
               </a:rPr>
               <a:t>つの数値にまとめた関係性」</a:t>
             </a:r>
@@ -5738,29 +7519,29 @@
           <a:p>
             <a:r>
               <a:rPr lang="en-US" altLang="ja-JP" sz="1600" dirty="0">
-                <a:latin typeface="Hiragino Sans W0" panose="020B0400000000000000" pitchFamily="34" charset="-128"/>
-                <a:ea typeface="Hiragino Sans W0" panose="020B0400000000000000" pitchFamily="34" charset="-128"/>
+                <a:latin typeface="Hiragino Sans W1" panose="020B0400000000000000" pitchFamily="34" charset="-128"/>
+                <a:ea typeface="Hiragino Sans W1" panose="020B0400000000000000" pitchFamily="34" charset="-128"/>
               </a:rPr>
               <a:t>   </a:t>
             </a:r>
             <a:r>
               <a:rPr lang="ja-JP" altLang="en-US" sz="1600">
-                <a:latin typeface="Hiragino Sans W0" panose="020B0400000000000000" pitchFamily="34" charset="-128"/>
-                <a:ea typeface="Hiragino Sans W0" panose="020B0400000000000000" pitchFamily="34" charset="-128"/>
+                <a:latin typeface="Hiragino Sans W1" panose="020B0400000000000000" pitchFamily="34" charset="-128"/>
+                <a:ea typeface="Hiragino Sans W1" panose="020B0400000000000000" pitchFamily="34" charset="-128"/>
               </a:rPr>
               <a:t>→ データ全体の傾向をこの</a:t>
             </a:r>
             <a:r>
               <a:rPr lang="en-US" altLang="ja-JP" sz="1600" dirty="0">
-                <a:latin typeface="Hiragino Sans W0" panose="020B0400000000000000" pitchFamily="34" charset="-128"/>
-                <a:ea typeface="Hiragino Sans W0" panose="020B0400000000000000" pitchFamily="34" charset="-128"/>
+                <a:latin typeface="Hiragino Sans W1" panose="020B0400000000000000" pitchFamily="34" charset="-128"/>
+                <a:ea typeface="Hiragino Sans W1" panose="020B0400000000000000" pitchFamily="34" charset="-128"/>
               </a:rPr>
               <a:t>2</a:t>
             </a:r>
             <a:r>
               <a:rPr lang="ja-JP" altLang="en-US" sz="1600">
-                <a:latin typeface="Hiragino Sans W0" panose="020B0400000000000000" pitchFamily="34" charset="-128"/>
-                <a:ea typeface="Hiragino Sans W0" panose="020B0400000000000000" pitchFamily="34" charset="-128"/>
+                <a:latin typeface="Hiragino Sans W1" panose="020B0400000000000000" pitchFamily="34" charset="-128"/>
+                <a:ea typeface="Hiragino Sans W1" panose="020B0400000000000000" pitchFamily="34" charset="-128"/>
               </a:rPr>
               <a:t>つの数字に凝縮できる</a:t>
             </a:r>
@@ -5768,110 +7549,110 @@
           <a:p>
             <a:r>
               <a:rPr lang="en-US" altLang="ja-JP" sz="1600" dirty="0">
-                <a:latin typeface="Hiragino Sans W0" panose="020B0400000000000000" pitchFamily="34" charset="-128"/>
-                <a:ea typeface="Hiragino Sans W0" panose="020B0400000000000000" pitchFamily="34" charset="-128"/>
+                <a:latin typeface="Hiragino Sans W1" panose="020B0400000000000000" pitchFamily="34" charset="-128"/>
+                <a:ea typeface="Hiragino Sans W1" panose="020B0400000000000000" pitchFamily="34" charset="-128"/>
               </a:rPr>
               <a:t>- </a:t>
             </a:r>
             <a:r>
               <a:rPr lang="ja-JP" altLang="en-US" sz="1600">
-                <a:latin typeface="Hiragino Sans W0" panose="020B0400000000000000" pitchFamily="34" charset="-128"/>
-                <a:ea typeface="Hiragino Sans W0" panose="020B0400000000000000" pitchFamily="34" charset="-128"/>
+                <a:latin typeface="Hiragino Sans W1" panose="020B0400000000000000" pitchFamily="34" charset="-128"/>
+                <a:ea typeface="Hiragino Sans W1" panose="020B0400000000000000" pitchFamily="34" charset="-128"/>
               </a:rPr>
               <a:t>この式が「モデル」として機能する</a:t>
             </a:r>
             <a:endParaRPr lang="en-US" altLang="ja-JP" sz="1600" dirty="0">
-              <a:latin typeface="Hiragino Sans W0" panose="020B0400000000000000" pitchFamily="34" charset="-128"/>
-              <a:ea typeface="Hiragino Sans W0" panose="020B0400000000000000" pitchFamily="34" charset="-128"/>
+              <a:latin typeface="Hiragino Sans W1" panose="020B0400000000000000" pitchFamily="34" charset="-128"/>
+              <a:ea typeface="Hiragino Sans W1" panose="020B0400000000000000" pitchFamily="34" charset="-128"/>
             </a:endParaRPr>
           </a:p>
           <a:p>
             <a:r>
               <a:rPr lang="en-US" altLang="ja-JP" sz="1600" dirty="0">
-                <a:latin typeface="Hiragino Sans W0" panose="020B0400000000000000" pitchFamily="34" charset="-128"/>
-                <a:ea typeface="Hiragino Sans W0" panose="020B0400000000000000" pitchFamily="34" charset="-128"/>
+                <a:latin typeface="Hiragino Sans W1" panose="020B0400000000000000" pitchFamily="34" charset="-128"/>
+                <a:ea typeface="Hiragino Sans W1" panose="020B0400000000000000" pitchFamily="34" charset="-128"/>
               </a:rPr>
               <a:t>   →</a:t>
             </a:r>
             <a:r>
               <a:rPr lang="ja-JP" altLang="en-US" sz="1600">
-                <a:latin typeface="Hiragino Sans W0" panose="020B0400000000000000" pitchFamily="34" charset="-128"/>
-                <a:ea typeface="Hiragino Sans W0" panose="020B0400000000000000" pitchFamily="34" charset="-128"/>
+                <a:latin typeface="Hiragino Sans W1" panose="020B0400000000000000" pitchFamily="34" charset="-128"/>
+                <a:ea typeface="Hiragino Sans W1" panose="020B0400000000000000" pitchFamily="34" charset="-128"/>
               </a:rPr>
               <a:t>回帰式を使うことで、任意の重さ </a:t>
             </a:r>
             <a:r>
               <a:rPr lang="en" altLang="ja-JP" sz="1600" dirty="0">
-                <a:latin typeface="Hiragino Sans W0" panose="020B0400000000000000" pitchFamily="34" charset="-128"/>
-                <a:ea typeface="Hiragino Sans W0" panose="020B0400000000000000" pitchFamily="34" charset="-128"/>
+                <a:latin typeface="Hiragino Sans W1" panose="020B0400000000000000" pitchFamily="34" charset="-128"/>
+                <a:ea typeface="Hiragino Sans W1" panose="020B0400000000000000" pitchFamily="34" charset="-128"/>
               </a:rPr>
               <a:t>x </a:t>
             </a:r>
             <a:r>
               <a:rPr lang="ja-JP" altLang="en-US" sz="1600">
-                <a:latin typeface="Hiragino Sans W0" panose="020B0400000000000000" pitchFamily="34" charset="-128"/>
-                <a:ea typeface="Hiragino Sans W0" panose="020B0400000000000000" pitchFamily="34" charset="-128"/>
+                <a:latin typeface="Hiragino Sans W1" panose="020B0400000000000000" pitchFamily="34" charset="-128"/>
+                <a:ea typeface="Hiragino Sans W1" panose="020B0400000000000000" pitchFamily="34" charset="-128"/>
               </a:rPr>
               <a:t>に対してバネの長さ </a:t>
             </a:r>
             <a:r>
               <a:rPr lang="en" altLang="ja-JP" sz="1600" dirty="0">
-                <a:latin typeface="Hiragino Sans W0" panose="020B0400000000000000" pitchFamily="34" charset="-128"/>
-                <a:ea typeface="Hiragino Sans W0" panose="020B0400000000000000" pitchFamily="34" charset="-128"/>
+                <a:latin typeface="Hiragino Sans W1" panose="020B0400000000000000" pitchFamily="34" charset="-128"/>
+                <a:ea typeface="Hiragino Sans W1" panose="020B0400000000000000" pitchFamily="34" charset="-128"/>
               </a:rPr>
               <a:t>y </a:t>
             </a:r>
             <a:r>
               <a:rPr lang="ja-JP" altLang="en-US" sz="1600">
-                <a:latin typeface="Hiragino Sans W0" panose="020B0400000000000000" pitchFamily="34" charset="-128"/>
-                <a:ea typeface="Hiragino Sans W0" panose="020B0400000000000000" pitchFamily="34" charset="-128"/>
+                <a:latin typeface="Hiragino Sans W1" panose="020B0400000000000000" pitchFamily="34" charset="-128"/>
+                <a:ea typeface="Hiragino Sans W1" panose="020B0400000000000000" pitchFamily="34" charset="-128"/>
               </a:rPr>
               <a:t>を予測できるようになる</a:t>
             </a:r>
             <a:endParaRPr lang="en-US" altLang="ja-JP" sz="1600" dirty="0">
-              <a:latin typeface="Hiragino Sans W0" panose="020B0400000000000000" pitchFamily="34" charset="-128"/>
-              <a:ea typeface="Hiragino Sans W0" panose="020B0400000000000000" pitchFamily="34" charset="-128"/>
+              <a:latin typeface="Hiragino Sans W1" panose="020B0400000000000000" pitchFamily="34" charset="-128"/>
+              <a:ea typeface="Hiragino Sans W1" panose="020B0400000000000000" pitchFamily="34" charset="-128"/>
             </a:endParaRPr>
           </a:p>
           <a:p>
             <a:r>
               <a:rPr lang="en-US" altLang="ja-JP" sz="1600" dirty="0">
-                <a:latin typeface="Hiragino Sans W0" panose="020B0400000000000000" pitchFamily="34" charset="-128"/>
-                <a:ea typeface="Hiragino Sans W0" panose="020B0400000000000000" pitchFamily="34" charset="-128"/>
+                <a:latin typeface="Hiragino Sans W1" panose="020B0400000000000000" pitchFamily="34" charset="-128"/>
+                <a:ea typeface="Hiragino Sans W1" panose="020B0400000000000000" pitchFamily="34" charset="-128"/>
               </a:rPr>
               <a:t>          </a:t>
             </a:r>
             <a:r>
               <a:rPr lang="ja-JP" altLang="en-US" sz="1600">
-                <a:latin typeface="Hiragino Sans W0" panose="020B0400000000000000" pitchFamily="34" charset="-128"/>
-                <a:ea typeface="Hiragino Sans W0" panose="020B0400000000000000" pitchFamily="34" charset="-128"/>
+                <a:latin typeface="Hiragino Sans W1" panose="020B0400000000000000" pitchFamily="34" charset="-128"/>
+                <a:ea typeface="Hiragino Sans W1" panose="020B0400000000000000" pitchFamily="34" charset="-128"/>
               </a:rPr>
               <a:t> 例えば：</a:t>
             </a:r>
             <a:r>
               <a:rPr lang="en" altLang="ja-JP" sz="1600" dirty="0">
-                <a:latin typeface="Hiragino Sans W0" panose="020B0400000000000000" pitchFamily="34" charset="-128"/>
-                <a:ea typeface="Hiragino Sans W0" panose="020B0400000000000000" pitchFamily="34" charset="-128"/>
+                <a:latin typeface="Hiragino Sans W1" panose="020B0400000000000000" pitchFamily="34" charset="-128"/>
+                <a:ea typeface="Hiragino Sans W1" panose="020B0400000000000000" pitchFamily="34" charset="-128"/>
               </a:rPr>
               <a:t>x = 20g </a:t>
             </a:r>
             <a:r>
               <a:rPr lang="ja-JP" altLang="en-US" sz="1600">
-                <a:latin typeface="Hiragino Sans W0" panose="020B0400000000000000" pitchFamily="34" charset="-128"/>
-                <a:ea typeface="Hiragino Sans W0" panose="020B0400000000000000" pitchFamily="34" charset="-128"/>
+                <a:latin typeface="Hiragino Sans W1" panose="020B0400000000000000" pitchFamily="34" charset="-128"/>
+                <a:ea typeface="Hiragino Sans W1" panose="020B0400000000000000" pitchFamily="34" charset="-128"/>
               </a:rPr>
               <a:t>のとき、</a:t>
             </a:r>
             <a:r>
               <a:rPr lang="en" altLang="ja-JP" sz="1600" dirty="0">
-                <a:latin typeface="Hiragino Sans W0" panose="020B0400000000000000" pitchFamily="34" charset="-128"/>
-                <a:ea typeface="Hiragino Sans W0" panose="020B0400000000000000" pitchFamily="34" charset="-128"/>
+                <a:latin typeface="Hiragino Sans W1" panose="020B0400000000000000" pitchFamily="34" charset="-128"/>
+                <a:ea typeface="Hiragino Sans W1" panose="020B0400000000000000" pitchFamily="34" charset="-128"/>
               </a:rPr>
               <a:t>y = 0.914 × 20 + 7.115 ≒ 25.4mm</a:t>
             </a:r>
             <a:endParaRPr lang="ja-JP" altLang="en-US" sz="1600">
-              <a:latin typeface="Hiragino Sans W0" panose="020B0400000000000000" pitchFamily="34" charset="-128"/>
-              <a:ea typeface="Hiragino Sans W0" panose="020B0400000000000000" pitchFamily="34" charset="-128"/>
+              <a:latin typeface="Hiragino Sans W1" panose="020B0400000000000000" pitchFamily="34" charset="-128"/>
+              <a:ea typeface="Hiragino Sans W1" panose="020B0400000000000000" pitchFamily="34" charset="-128"/>
             </a:endParaRPr>
           </a:p>
         </p:txBody>
@@ -6168,7 +7949,7 @@
 </p:sld>
 </file>
 
-<file path=ppt/slides/slide5.xml><?xml version="1.0" encoding="utf-8"?>
+<file path=ppt/slides/slide6.xml><?xml version="1.0" encoding="utf-8"?>
 <p:sld xmlns:a="http://schemas.openxmlformats.org/drawingml/2006/main" xmlns:r="http://schemas.openxmlformats.org/officeDocument/2006/relationships" xmlns:p="http://schemas.openxmlformats.org/presentationml/2006/main">
   <p:cSld>
     <p:spTree>
@@ -6867,10 +8648,10 @@
       </p:pic>
       <p:pic>
         <p:nvPicPr>
-          <p:cNvPr id="12" name="図 11">
+          <p:cNvPr id="11" name="図 10">
             <a:extLst>
               <a:ext uri="{FF2B5EF4-FFF2-40B4-BE49-F238E27FC236}">
-                <a16:creationId xmlns:a16="http://schemas.microsoft.com/office/drawing/2014/main" id="{4DE69673-4C42-C95B-3BA1-6453E4A36679}"/>
+                <a16:creationId xmlns:a16="http://schemas.microsoft.com/office/drawing/2014/main" id="{10FC246D-C43C-6EE8-A033-939D074288F0}"/>
               </a:ext>
             </a:extLst>
           </p:cNvPr>
@@ -6881,15 +8662,15 @@
         </p:nvPicPr>
         <p:blipFill>
           <a:blip r:embed="rId3"/>
-          <a:srcRect l="7302" t="27263" r="7659" b="28665"/>
+          <a:srcRect l="7183" t="28287" r="6791" b="27394"/>
           <a:stretch>
             <a:fillRect/>
           </a:stretch>
         </p:blipFill>
         <p:spPr>
           <a:xfrm>
-            <a:off x="405632" y="1729070"/>
-            <a:ext cx="8209143" cy="1487441"/>
+            <a:off x="228600" y="1734236"/>
+            <a:ext cx="8528540" cy="1477108"/>
           </a:xfrm>
           <a:prstGeom prst="rect">
             <a:avLst/>
@@ -6904,7 +8685,7 @@
 </p:sld>
 </file>
 
-<file path=ppt/slides/slide6.xml><?xml version="1.0" encoding="utf-8"?>
+<file path=ppt/slides/slide7.xml><?xml version="1.0" encoding="utf-8"?>
 <p:sld xmlns:a="http://schemas.openxmlformats.org/drawingml/2006/main" xmlns:r="http://schemas.openxmlformats.org/officeDocument/2006/relationships" xmlns:p="http://schemas.openxmlformats.org/presentationml/2006/main">
   <p:cSld>
     <p:spTree>
